--- a/src/main/resources/chat_app_presentation.pptx
+++ b/src/main/resources/chat_app_presentation.pptx
@@ -5,17 +5,19 @@
     <p:sldMasterId id="2147483648" r:id="rId1"/>
   </p:sldMasterIdLst>
   <p:notesMasterIdLst>
-    <p:notesMasterId r:id="rId10"/>
+    <p:notesMasterId r:id="rId12"/>
   </p:notesMasterIdLst>
   <p:sldIdLst>
     <p:sldId id="256" r:id="rId2"/>
     <p:sldId id="261" r:id="rId3"/>
-    <p:sldId id="262" r:id="rId4"/>
-    <p:sldId id="257" r:id="rId5"/>
-    <p:sldId id="258" r:id="rId6"/>
-    <p:sldId id="259" r:id="rId7"/>
-    <p:sldId id="260" r:id="rId8"/>
-    <p:sldId id="263" r:id="rId9"/>
+    <p:sldId id="264" r:id="rId4"/>
+    <p:sldId id="258" r:id="rId5"/>
+    <p:sldId id="265" r:id="rId6"/>
+    <p:sldId id="262" r:id="rId7"/>
+    <p:sldId id="257" r:id="rId8"/>
+    <p:sldId id="259" r:id="rId9"/>
+    <p:sldId id="260" r:id="rId10"/>
+    <p:sldId id="263" r:id="rId11"/>
   </p:sldIdLst>
   <p:sldSz cx="9144000" cy="6858000" type="screen4x3"/>
   <p:notesSz cx="6858000" cy="9144000"/>
@@ -199,7 +201,7 @@
           <a:p>
             <a:fld id="{57E2540F-AA20-E64A-9D3C-0471363DD02F}" type="datetimeFigureOut">
               <a:rPr lang="en-US" smtClean="0"/>
-              <a:t>11/11/18</a:t>
+              <a:t>11/12/18</a:t>
             </a:fld>
             <a:endParaRPr lang="en-US"/>
           </a:p>
@@ -612,29 +614,20 @@
           <a:lstStyle/>
           <a:p>
             <a:r>
-              <a:rPr lang="en-US" dirty="0" smtClean="0"/>
-              <a:t>Introduce</a:t>
+              <a:rPr lang="en-US" dirty="0" err="1" smtClean="0"/>
+              <a:t>CompositeUser</a:t>
             </a:r>
             <a:r>
               <a:rPr lang="en-US" baseline="0" dirty="0" smtClean="0"/>
-              <a:t> main assumption of message sending. The rest of design is based off this assumption, not like chat apps we use.</a:t>
-            </a:r>
-            <a:endParaRPr lang="en-US" dirty="0" smtClean="0"/>
-          </a:p>
-          <a:p>
-            <a:r>
-              <a:rPr lang="en-US" dirty="0" smtClean="0"/>
-              <a:t>Regular messages go to a single other user in the chat</a:t>
+              <a:t> extends </a:t>
             </a:r>
             <a:r>
               <a:rPr lang="en-US" baseline="0" dirty="0" smtClean="0"/>
-              <a:t> room. Owners can send a message to all other users. </a:t>
-            </a:r>
-          </a:p>
-          <a:p>
-            <a:r>
-              <a:rPr lang="en-US" baseline="0" dirty="0" smtClean="0"/>
-              <a:t>Users can receive messages even when they are not on the chat room page.</a:t>
+              <a:t>user, </a:t>
+            </a:r>
+            <a:r>
+              <a:rPr lang="en-US" baseline="0" dirty="0" err="1" smtClean="0"/>
+              <a:t>compositechatroom</a:t>
             </a:r>
             <a:endParaRPr lang="en-US" dirty="0"/>
           </a:p>
@@ -657,7 +650,7 @@
           <a:p>
             <a:fld id="{43DC2DDD-CC09-FA44-B0E7-875FE11E7331}" type="slidenum">
               <a:rPr lang="en-US" smtClean="0"/>
-              <a:t>3</a:t>
+              <a:t>4</a:t>
             </a:fld>
             <a:endParaRPr lang="en-US"/>
           </a:p>
@@ -666,7 +659,7 @@
     </p:spTree>
     <p:extLst>
       <p:ext uri="{BB962C8B-B14F-4D97-AF65-F5344CB8AC3E}">
-        <p14:creationId xmlns:p14="http://schemas.microsoft.com/office/powerpoint/2010/main" val="200956335"/>
+        <p14:creationId xmlns:p14="http://schemas.microsoft.com/office/powerpoint/2010/main" val="1221506984"/>
       </p:ext>
     </p:extLst>
   </p:cSld>
@@ -721,12 +714,29 @@
           <a:lstStyle/>
           <a:p>
             <a:r>
-              <a:rPr lang="en-US" dirty="0" err="1" smtClean="0"/>
-              <a:t>CompositeUser</a:t>
+              <a:rPr lang="en-US" dirty="0" smtClean="0"/>
+              <a:t>Introduce</a:t>
             </a:r>
             <a:r>
               <a:rPr lang="en-US" baseline="0" dirty="0" smtClean="0"/>
-              <a:t> extends user</a:t>
+              <a:t> main assumption of message sending. The rest of design is based off this assumption, not like chat apps we use.</a:t>
+            </a:r>
+            <a:endParaRPr lang="en-US" dirty="0" smtClean="0"/>
+          </a:p>
+          <a:p>
+            <a:r>
+              <a:rPr lang="en-US" dirty="0" smtClean="0"/>
+              <a:t>Regular messages go to a single other user in the chat</a:t>
+            </a:r>
+            <a:r>
+              <a:rPr lang="en-US" baseline="0" dirty="0" smtClean="0"/>
+              <a:t> room. Owners can send a message to all other users. </a:t>
+            </a:r>
+          </a:p>
+          <a:p>
+            <a:r>
+              <a:rPr lang="en-US" baseline="0" dirty="0" smtClean="0"/>
+              <a:t>Users can receive messages even when they are not on the chat room page.</a:t>
             </a:r>
             <a:endParaRPr lang="en-US" dirty="0"/>
           </a:p>
@@ -749,7 +759,7 @@
           <a:p>
             <a:fld id="{43DC2DDD-CC09-FA44-B0E7-875FE11E7331}" type="slidenum">
               <a:rPr lang="en-US" smtClean="0"/>
-              <a:t>5</a:t>
+              <a:t>6</a:t>
             </a:fld>
             <a:endParaRPr lang="en-US"/>
           </a:p>
@@ -758,7 +768,7 @@
     </p:spTree>
     <p:extLst>
       <p:ext uri="{BB962C8B-B14F-4D97-AF65-F5344CB8AC3E}">
-        <p14:creationId xmlns:p14="http://schemas.microsoft.com/office/powerpoint/2010/main" val="1221506984"/>
+        <p14:creationId xmlns:p14="http://schemas.microsoft.com/office/powerpoint/2010/main" val="200956335"/>
       </p:ext>
     </p:extLst>
   </p:cSld>
@@ -841,7 +851,7 @@
           <a:p>
             <a:fld id="{43DC2DDD-CC09-FA44-B0E7-875FE11E7331}" type="slidenum">
               <a:rPr lang="en-US" smtClean="0"/>
-              <a:t>7</a:t>
+              <a:t>9</a:t>
             </a:fld>
             <a:endParaRPr lang="en-US"/>
           </a:p>
@@ -1041,7 +1051,7 @@
           <a:p>
             <a:fld id="{084FBAE5-F0BC-4F42-BD09-B927D6FFA908}" type="datetimeFigureOut">
               <a:rPr lang="en-US" smtClean="0"/>
-              <a:t>11/11/18</a:t>
+              <a:t>11/12/18</a:t>
             </a:fld>
             <a:endParaRPr lang="en-US"/>
           </a:p>
@@ -1211,7 +1221,7 @@
           <a:p>
             <a:fld id="{084FBAE5-F0BC-4F42-BD09-B927D6FFA908}" type="datetimeFigureOut">
               <a:rPr lang="en-US" smtClean="0"/>
-              <a:t>11/11/18</a:t>
+              <a:t>11/12/18</a:t>
             </a:fld>
             <a:endParaRPr lang="en-US"/>
           </a:p>
@@ -1391,7 +1401,7 @@
           <a:p>
             <a:fld id="{084FBAE5-F0BC-4F42-BD09-B927D6FFA908}" type="datetimeFigureOut">
               <a:rPr lang="en-US" smtClean="0"/>
-              <a:t>11/11/18</a:t>
+              <a:t>11/12/18</a:t>
             </a:fld>
             <a:endParaRPr lang="en-US"/>
           </a:p>
@@ -1561,7 +1571,7 @@
           <a:p>
             <a:fld id="{084FBAE5-F0BC-4F42-BD09-B927D6FFA908}" type="datetimeFigureOut">
               <a:rPr lang="en-US" smtClean="0"/>
-              <a:t>11/11/18</a:t>
+              <a:t>11/12/18</a:t>
             </a:fld>
             <a:endParaRPr lang="en-US"/>
           </a:p>
@@ -1807,7 +1817,7 @@
           <a:p>
             <a:fld id="{084FBAE5-F0BC-4F42-BD09-B927D6FFA908}" type="datetimeFigureOut">
               <a:rPr lang="en-US" smtClean="0"/>
-              <a:t>11/11/18</a:t>
+              <a:t>11/12/18</a:t>
             </a:fld>
             <a:endParaRPr lang="en-US"/>
           </a:p>
@@ -2095,7 +2105,7 @@
           <a:p>
             <a:fld id="{084FBAE5-F0BC-4F42-BD09-B927D6FFA908}" type="datetimeFigureOut">
               <a:rPr lang="en-US" smtClean="0"/>
-              <a:t>11/11/18</a:t>
+              <a:t>11/12/18</a:t>
             </a:fld>
             <a:endParaRPr lang="en-US"/>
           </a:p>
@@ -2517,7 +2527,7 @@
           <a:p>
             <a:fld id="{084FBAE5-F0BC-4F42-BD09-B927D6FFA908}" type="datetimeFigureOut">
               <a:rPr lang="en-US" smtClean="0"/>
-              <a:t>11/11/18</a:t>
+              <a:t>11/12/18</a:t>
             </a:fld>
             <a:endParaRPr lang="en-US"/>
           </a:p>
@@ -2635,7 +2645,7 @@
           <a:p>
             <a:fld id="{084FBAE5-F0BC-4F42-BD09-B927D6FFA908}" type="datetimeFigureOut">
               <a:rPr lang="en-US" smtClean="0"/>
-              <a:t>11/11/18</a:t>
+              <a:t>11/12/18</a:t>
             </a:fld>
             <a:endParaRPr lang="en-US"/>
           </a:p>
@@ -2730,7 +2740,7 @@
           <a:p>
             <a:fld id="{084FBAE5-F0BC-4F42-BD09-B927D6FFA908}" type="datetimeFigureOut">
               <a:rPr lang="en-US" smtClean="0"/>
-              <a:t>11/11/18</a:t>
+              <a:t>11/12/18</a:t>
             </a:fld>
             <a:endParaRPr lang="en-US"/>
           </a:p>
@@ -3007,7 +3017,7 @@
           <a:p>
             <a:fld id="{084FBAE5-F0BC-4F42-BD09-B927D6FFA908}" type="datetimeFigureOut">
               <a:rPr lang="en-US" smtClean="0"/>
-              <a:t>11/11/18</a:t>
+              <a:t>11/12/18</a:t>
             </a:fld>
             <a:endParaRPr lang="en-US"/>
           </a:p>
@@ -3260,7 +3270,7 @@
           <a:p>
             <a:fld id="{084FBAE5-F0BC-4F42-BD09-B927D6FFA908}" type="datetimeFigureOut">
               <a:rPr lang="en-US" smtClean="0"/>
-              <a:t>11/11/18</a:t>
+              <a:t>11/12/18</a:t>
             </a:fld>
             <a:endParaRPr lang="en-US"/>
           </a:p>
@@ -3473,7 +3483,7 @@
           <a:p>
             <a:fld id="{084FBAE5-F0BC-4F42-BD09-B927D6FFA908}" type="datetimeFigureOut">
               <a:rPr lang="en-US" smtClean="0"/>
-              <a:t>11/11/18</a:t>
+              <a:t>11/12/18</a:t>
             </a:fld>
             <a:endParaRPr lang="en-US"/>
           </a:p>
@@ -3964,6 +3974,64 @@
 </p:sld>
 </file>
 
+<file path=ppt/slides/slide10.xml><?xml version="1.0" encoding="utf-8"?>
+<p:sld xmlns:a="http://schemas.openxmlformats.org/drawingml/2006/main" xmlns:r="http://schemas.openxmlformats.org/officeDocument/2006/relationships" xmlns:p="http://schemas.openxmlformats.org/presentationml/2006/main">
+  <p:cSld>
+    <p:spTree>
+      <p:nvGrpSpPr>
+        <p:cNvPr id="1" name=""/>
+        <p:cNvGrpSpPr/>
+        <p:nvPr/>
+      </p:nvGrpSpPr>
+      <p:grpSpPr>
+        <a:xfrm>
+          <a:off x="0" y="0"/>
+          <a:ext cx="0" cy="0"/>
+          <a:chOff x="0" y="0"/>
+          <a:chExt cx="0" cy="0"/>
+        </a:xfrm>
+      </p:grpSpPr>
+      <p:sp>
+        <p:nvSpPr>
+          <p:cNvPr id="2" name="Title 1"/>
+          <p:cNvSpPr>
+            <a:spLocks noGrp="1"/>
+          </p:cNvSpPr>
+          <p:nvPr>
+            <p:ph type="title"/>
+          </p:nvPr>
+        </p:nvSpPr>
+        <p:spPr>
+          <a:xfrm>
+            <a:off x="457200" y="2742859"/>
+            <a:ext cx="8229600" cy="1143000"/>
+          </a:xfrm>
+        </p:spPr>
+        <p:txBody>
+          <a:bodyPr/>
+          <a:lstStyle/>
+          <a:p>
+            <a:r>
+              <a:rPr lang="en-US" dirty="0" smtClean="0"/>
+              <a:t>Demo and Questions</a:t>
+            </a:r>
+            <a:endParaRPr lang="en-US" dirty="0"/>
+          </a:p>
+        </p:txBody>
+      </p:sp>
+    </p:spTree>
+    <p:extLst>
+      <p:ext uri="{BB962C8B-B14F-4D97-AF65-F5344CB8AC3E}">
+        <p14:creationId xmlns:p14="http://schemas.microsoft.com/office/powerpoint/2010/main" val="2063180681"/>
+      </p:ext>
+    </p:extLst>
+  </p:cSld>
+  <p:clrMapOvr>
+    <a:masterClrMapping/>
+  </p:clrMapOvr>
+</p:sld>
+</file>
+
 <file path=ppt/slides/slide2.xml><?xml version="1.0" encoding="utf-8"?>
 <p:sld xmlns:a="http://schemas.openxmlformats.org/drawingml/2006/main" xmlns:r="http://schemas.openxmlformats.org/officeDocument/2006/relationships" xmlns:p="http://schemas.openxmlformats.org/presentationml/2006/main">
   <p:cSld>
@@ -4097,6 +4165,288 @@
           <a:p>
             <a:r>
               <a:rPr lang="en-US" dirty="0" smtClean="0"/>
+              <a:t>User Mappings</a:t>
+            </a:r>
+            <a:endParaRPr lang="en-US" dirty="0"/>
+          </a:p>
+        </p:txBody>
+      </p:sp>
+      <p:sp>
+        <p:nvSpPr>
+          <p:cNvPr id="3" name="Content Placeholder 2"/>
+          <p:cNvSpPr>
+            <a:spLocks noGrp="1"/>
+          </p:cNvSpPr>
+          <p:nvPr>
+            <p:ph idx="1"/>
+          </p:nvPr>
+        </p:nvSpPr>
+        <p:spPr/>
+        <p:txBody>
+          <a:bodyPr/>
+          <a:lstStyle/>
+          <a:p>
+            <a:r>
+              <a:rPr lang="en-US" dirty="0" smtClean="0"/>
+              <a:t>Session -&gt; </a:t>
+            </a:r>
+            <a:r>
+              <a:rPr lang="en-US" dirty="0" err="1" smtClean="0"/>
+              <a:t>userid</a:t>
+            </a:r>
+            <a:endParaRPr lang="en-US" dirty="0" smtClean="0"/>
+          </a:p>
+          <a:p>
+            <a:r>
+              <a:rPr lang="en-US" dirty="0" err="1" smtClean="0"/>
+              <a:t>Userid</a:t>
+            </a:r>
+            <a:r>
+              <a:rPr lang="en-US" dirty="0" smtClean="0"/>
+              <a:t> -&gt; username</a:t>
+            </a:r>
+          </a:p>
+          <a:p>
+            <a:r>
+              <a:rPr lang="en-US" dirty="0" smtClean="0"/>
+              <a:t>Username -&gt; user object</a:t>
+            </a:r>
+            <a:endParaRPr lang="en-US" dirty="0"/>
+          </a:p>
+        </p:txBody>
+      </p:sp>
+    </p:spTree>
+    <p:extLst>
+      <p:ext uri="{BB962C8B-B14F-4D97-AF65-F5344CB8AC3E}">
+        <p14:creationId xmlns:p14="http://schemas.microsoft.com/office/powerpoint/2010/main" val="320375859"/>
+      </p:ext>
+    </p:extLst>
+  </p:cSld>
+  <p:clrMapOvr>
+    <a:masterClrMapping/>
+  </p:clrMapOvr>
+</p:sld>
+</file>
+
+<file path=ppt/slides/slide4.xml><?xml version="1.0" encoding="utf-8"?>
+<p:sld xmlns:a="http://schemas.openxmlformats.org/drawingml/2006/main" xmlns:r="http://schemas.openxmlformats.org/officeDocument/2006/relationships" xmlns:p="http://schemas.openxmlformats.org/presentationml/2006/main">
+  <p:cSld>
+    <p:spTree>
+      <p:nvGrpSpPr>
+        <p:cNvPr id="1" name=""/>
+        <p:cNvGrpSpPr/>
+        <p:nvPr/>
+      </p:nvGrpSpPr>
+      <p:grpSpPr>
+        <a:xfrm>
+          <a:off x="0" y="0"/>
+          <a:ext cx="0" cy="0"/>
+          <a:chOff x="0" y="0"/>
+          <a:chExt cx="0" cy="0"/>
+        </a:xfrm>
+      </p:grpSpPr>
+      <p:sp>
+        <p:nvSpPr>
+          <p:cNvPr id="2" name="Title 1"/>
+          <p:cNvSpPr>
+            <a:spLocks noGrp="1"/>
+          </p:cNvSpPr>
+          <p:nvPr>
+            <p:ph type="title"/>
+          </p:nvPr>
+        </p:nvSpPr>
+        <p:spPr/>
+        <p:txBody>
+          <a:bodyPr/>
+          <a:lstStyle/>
+          <a:p>
+            <a:r>
+              <a:rPr lang="en-US" dirty="0" smtClean="0"/>
+              <a:t>Objects</a:t>
+            </a:r>
+            <a:endParaRPr lang="en-US" dirty="0"/>
+          </a:p>
+        </p:txBody>
+      </p:sp>
+      <p:sp>
+        <p:nvSpPr>
+          <p:cNvPr id="3" name="Content Placeholder 2"/>
+          <p:cNvSpPr>
+            <a:spLocks noGrp="1"/>
+          </p:cNvSpPr>
+          <p:nvPr>
+            <p:ph idx="1"/>
+          </p:nvPr>
+        </p:nvSpPr>
+        <p:spPr/>
+        <p:txBody>
+          <a:bodyPr/>
+          <a:lstStyle/>
+          <a:p>
+            <a:r>
+              <a:rPr lang="en-US" dirty="0" smtClean="0"/>
+              <a:t>UML diagrams for User and </a:t>
+            </a:r>
+            <a:r>
+              <a:rPr lang="en-US" dirty="0" err="1" smtClean="0"/>
+              <a:t>ChatRoom</a:t>
+            </a:r>
+            <a:endParaRPr lang="en-US" dirty="0" smtClean="0"/>
+          </a:p>
+          <a:p>
+            <a:r>
+              <a:rPr lang="en-US" dirty="0" err="1" smtClean="0"/>
+              <a:t>ChatRoom</a:t>
+            </a:r>
+            <a:r>
+              <a:rPr lang="en-US" dirty="0" smtClean="0"/>
+              <a:t> observes CAC</a:t>
+            </a:r>
+          </a:p>
+          <a:p>
+            <a:r>
+              <a:rPr lang="en-US" dirty="0" smtClean="0"/>
+              <a:t>User observes </a:t>
+            </a:r>
+            <a:r>
+              <a:rPr lang="en-US" dirty="0" err="1" smtClean="0"/>
+              <a:t>ChatRoom</a:t>
+            </a:r>
+            <a:endParaRPr lang="en-US" dirty="0"/>
+          </a:p>
+        </p:txBody>
+      </p:sp>
+    </p:spTree>
+    <p:extLst>
+      <p:ext uri="{BB962C8B-B14F-4D97-AF65-F5344CB8AC3E}">
+        <p14:creationId xmlns:p14="http://schemas.microsoft.com/office/powerpoint/2010/main" val="307611045"/>
+      </p:ext>
+    </p:extLst>
+  </p:cSld>
+  <p:clrMapOvr>
+    <a:masterClrMapping/>
+  </p:clrMapOvr>
+</p:sld>
+</file>
+
+<file path=ppt/slides/slide5.xml><?xml version="1.0" encoding="utf-8"?>
+<p:sld xmlns:a="http://schemas.openxmlformats.org/drawingml/2006/main" xmlns:r="http://schemas.openxmlformats.org/officeDocument/2006/relationships" xmlns:p="http://schemas.openxmlformats.org/presentationml/2006/main">
+  <p:cSld>
+    <p:spTree>
+      <p:nvGrpSpPr>
+        <p:cNvPr id="1" name=""/>
+        <p:cNvGrpSpPr/>
+        <p:nvPr/>
+      </p:nvGrpSpPr>
+      <p:grpSpPr>
+        <a:xfrm>
+          <a:off x="0" y="0"/>
+          <a:ext cx="0" cy="0"/>
+          <a:chOff x="0" y="0"/>
+          <a:chExt cx="0" cy="0"/>
+        </a:xfrm>
+      </p:grpSpPr>
+      <p:sp>
+        <p:nvSpPr>
+          <p:cNvPr id="2" name="Title 1"/>
+          <p:cNvSpPr>
+            <a:spLocks noGrp="1"/>
+          </p:cNvSpPr>
+          <p:nvPr>
+            <p:ph type="title"/>
+          </p:nvPr>
+        </p:nvSpPr>
+        <p:spPr/>
+        <p:txBody>
+          <a:bodyPr/>
+          <a:lstStyle/>
+          <a:p>
+            <a:r>
+              <a:rPr lang="en-US" dirty="0" smtClean="0"/>
+              <a:t>Users and Chat Rooms</a:t>
+            </a:r>
+            <a:endParaRPr lang="en-US" dirty="0"/>
+          </a:p>
+        </p:txBody>
+      </p:sp>
+      <p:sp>
+        <p:nvSpPr>
+          <p:cNvPr id="3" name="Content Placeholder 2"/>
+          <p:cNvSpPr>
+            <a:spLocks noGrp="1"/>
+          </p:cNvSpPr>
+          <p:nvPr>
+            <p:ph idx="1"/>
+          </p:nvPr>
+        </p:nvSpPr>
+        <p:spPr/>
+        <p:txBody>
+          <a:bodyPr/>
+          <a:lstStyle/>
+          <a:p>
+            <a:r>
+              <a:rPr lang="en-US" dirty="0" smtClean="0"/>
+              <a:t>Joining/leaving chat rooms</a:t>
+            </a:r>
+          </a:p>
+          <a:p>
+            <a:r>
+              <a:rPr lang="en-US" dirty="0" smtClean="0"/>
+              <a:t>Creating users</a:t>
+            </a:r>
+          </a:p>
+          <a:p>
+            <a:endParaRPr lang="en-US" dirty="0"/>
+          </a:p>
+        </p:txBody>
+      </p:sp>
+    </p:spTree>
+    <p:extLst>
+      <p:ext uri="{BB962C8B-B14F-4D97-AF65-F5344CB8AC3E}">
+        <p14:creationId xmlns:p14="http://schemas.microsoft.com/office/powerpoint/2010/main" val="3550442283"/>
+      </p:ext>
+    </p:extLst>
+  </p:cSld>
+  <p:clrMapOvr>
+    <a:masterClrMapping/>
+  </p:clrMapOvr>
+</p:sld>
+</file>
+
+<file path=ppt/slides/slide6.xml><?xml version="1.0" encoding="utf-8"?>
+<p:sld xmlns:a="http://schemas.openxmlformats.org/drawingml/2006/main" xmlns:r="http://schemas.openxmlformats.org/officeDocument/2006/relationships" xmlns:p="http://schemas.openxmlformats.org/presentationml/2006/main">
+  <p:cSld>
+    <p:spTree>
+      <p:nvGrpSpPr>
+        <p:cNvPr id="1" name=""/>
+        <p:cNvGrpSpPr/>
+        <p:nvPr/>
+      </p:nvGrpSpPr>
+      <p:grpSpPr>
+        <a:xfrm>
+          <a:off x="0" y="0"/>
+          <a:ext cx="0" cy="0"/>
+          <a:chOff x="0" y="0"/>
+          <a:chExt cx="0" cy="0"/>
+        </a:xfrm>
+      </p:grpSpPr>
+      <p:sp>
+        <p:nvSpPr>
+          <p:cNvPr id="2" name="Title 1"/>
+          <p:cNvSpPr>
+            <a:spLocks noGrp="1"/>
+          </p:cNvSpPr>
+          <p:nvPr>
+            <p:ph type="title"/>
+          </p:nvPr>
+        </p:nvSpPr>
+        <p:spPr/>
+        <p:txBody>
+          <a:bodyPr/>
+          <a:lstStyle/>
+          <a:p>
+            <a:r>
+              <a:rPr lang="en-US" dirty="0" smtClean="0"/>
               <a:t>Chat Room Design</a:t>
             </a:r>
             <a:endParaRPr lang="en-US" dirty="0"/>
@@ -4366,7 +4716,7 @@
 </p:sld>
 </file>
 
-<file path=ppt/slides/slide4.xml><?xml version="1.0" encoding="utf-8"?>
+<file path=ppt/slides/slide7.xml><?xml version="1.0" encoding="utf-8"?>
 <p:sld xmlns:a="http://schemas.openxmlformats.org/drawingml/2006/main" xmlns:r="http://schemas.openxmlformats.org/officeDocument/2006/relationships" xmlns:p="http://schemas.openxmlformats.org/presentationml/2006/main">
   <p:cSld>
     <p:spTree>
@@ -4454,7 +4804,7 @@
 </p:sld>
 </file>
 
-<file path=ppt/slides/slide5.xml><?xml version="1.0" encoding="utf-8"?>
+<file path=ppt/slides/slide8.xml><?xml version="1.0" encoding="utf-8"?>
 <p:sld xmlns:a="http://schemas.openxmlformats.org/drawingml/2006/main" xmlns:r="http://schemas.openxmlformats.org/officeDocument/2006/relationships" xmlns:p="http://schemas.openxmlformats.org/presentationml/2006/main">
   <p:cSld>
     <p:spTree>
@@ -4488,107 +4838,6 @@
           <a:p>
             <a:r>
               <a:rPr lang="en-US" dirty="0" smtClean="0"/>
-              <a:t>Objects</a:t>
-            </a:r>
-            <a:endParaRPr lang="en-US" dirty="0"/>
-          </a:p>
-        </p:txBody>
-      </p:sp>
-      <p:sp>
-        <p:nvSpPr>
-          <p:cNvPr id="3" name="Content Placeholder 2"/>
-          <p:cNvSpPr>
-            <a:spLocks noGrp="1"/>
-          </p:cNvSpPr>
-          <p:nvPr>
-            <p:ph idx="1"/>
-          </p:nvPr>
-        </p:nvSpPr>
-        <p:spPr/>
-        <p:txBody>
-          <a:bodyPr/>
-          <a:lstStyle/>
-          <a:p>
-            <a:r>
-              <a:rPr lang="en-US" dirty="0" smtClean="0"/>
-              <a:t>UML diagrams for User and </a:t>
-            </a:r>
-            <a:r>
-              <a:rPr lang="en-US" dirty="0" err="1" smtClean="0"/>
-              <a:t>ChatRoom</a:t>
-            </a:r>
-            <a:endParaRPr lang="en-US" dirty="0" smtClean="0"/>
-          </a:p>
-          <a:p>
-            <a:r>
-              <a:rPr lang="en-US" dirty="0" err="1" smtClean="0"/>
-              <a:t>ChatRoom</a:t>
-            </a:r>
-            <a:r>
-              <a:rPr lang="en-US" dirty="0" smtClean="0"/>
-              <a:t> observes CAC</a:t>
-            </a:r>
-          </a:p>
-          <a:p>
-            <a:r>
-              <a:rPr lang="en-US" dirty="0" smtClean="0"/>
-              <a:t>User observes </a:t>
-            </a:r>
-            <a:r>
-              <a:rPr lang="en-US" dirty="0" err="1" smtClean="0"/>
-              <a:t>ChatRoom</a:t>
-            </a:r>
-            <a:endParaRPr lang="en-US" dirty="0"/>
-          </a:p>
-        </p:txBody>
-      </p:sp>
-    </p:spTree>
-    <p:extLst>
-      <p:ext uri="{BB962C8B-B14F-4D97-AF65-F5344CB8AC3E}">
-        <p14:creationId xmlns:p14="http://schemas.microsoft.com/office/powerpoint/2010/main" val="307611045"/>
-      </p:ext>
-    </p:extLst>
-  </p:cSld>
-  <p:clrMapOvr>
-    <a:masterClrMapping/>
-  </p:clrMapOvr>
-</p:sld>
-</file>
-
-<file path=ppt/slides/slide6.xml><?xml version="1.0" encoding="utf-8"?>
-<p:sld xmlns:a="http://schemas.openxmlformats.org/drawingml/2006/main" xmlns:r="http://schemas.openxmlformats.org/officeDocument/2006/relationships" xmlns:p="http://schemas.openxmlformats.org/presentationml/2006/main">
-  <p:cSld>
-    <p:spTree>
-      <p:nvGrpSpPr>
-        <p:cNvPr id="1" name=""/>
-        <p:cNvGrpSpPr/>
-        <p:nvPr/>
-      </p:nvGrpSpPr>
-      <p:grpSpPr>
-        <a:xfrm>
-          <a:off x="0" y="0"/>
-          <a:ext cx="0" cy="0"/>
-          <a:chOff x="0" y="0"/>
-          <a:chExt cx="0" cy="0"/>
-        </a:xfrm>
-      </p:grpSpPr>
-      <p:sp>
-        <p:nvSpPr>
-          <p:cNvPr id="2" name="Title 1"/>
-          <p:cNvSpPr>
-            <a:spLocks noGrp="1"/>
-          </p:cNvSpPr>
-          <p:nvPr>
-            <p:ph type="title"/>
-          </p:nvPr>
-        </p:nvSpPr>
-        <p:spPr/>
-        <p:txBody>
-          <a:bodyPr/>
-          <a:lstStyle/>
-          <a:p>
-            <a:r>
-              <a:rPr lang="en-US" dirty="0" smtClean="0"/>
               <a:t>Commands</a:t>
             </a:r>
             <a:endParaRPr lang="en-US" dirty="0"/>
@@ -4661,7 +4910,7 @@
 </p:sld>
 </file>
 
-<file path=ppt/slides/slide7.xml><?xml version="1.0" encoding="utf-8"?>
+<file path=ppt/slides/slide9.xml><?xml version="1.0" encoding="utf-8"?>
 <p:sld xmlns:a="http://schemas.openxmlformats.org/drawingml/2006/main" xmlns:r="http://schemas.openxmlformats.org/officeDocument/2006/relationships" xmlns:p="http://schemas.openxmlformats.org/presentationml/2006/main">
   <p:cSld>
     <p:spTree>
@@ -5393,64 +5642,6 @@
     <p:extLst>
       <p:ext uri="{BB962C8B-B14F-4D97-AF65-F5344CB8AC3E}">
         <p14:creationId xmlns:p14="http://schemas.microsoft.com/office/powerpoint/2010/main" val="457808983"/>
-      </p:ext>
-    </p:extLst>
-  </p:cSld>
-  <p:clrMapOvr>
-    <a:masterClrMapping/>
-  </p:clrMapOvr>
-</p:sld>
-</file>
-
-<file path=ppt/slides/slide8.xml><?xml version="1.0" encoding="utf-8"?>
-<p:sld xmlns:a="http://schemas.openxmlformats.org/drawingml/2006/main" xmlns:r="http://schemas.openxmlformats.org/officeDocument/2006/relationships" xmlns:p="http://schemas.openxmlformats.org/presentationml/2006/main">
-  <p:cSld>
-    <p:spTree>
-      <p:nvGrpSpPr>
-        <p:cNvPr id="1" name=""/>
-        <p:cNvGrpSpPr/>
-        <p:nvPr/>
-      </p:nvGrpSpPr>
-      <p:grpSpPr>
-        <a:xfrm>
-          <a:off x="0" y="0"/>
-          <a:ext cx="0" cy="0"/>
-          <a:chOff x="0" y="0"/>
-          <a:chExt cx="0" cy="0"/>
-        </a:xfrm>
-      </p:grpSpPr>
-      <p:sp>
-        <p:nvSpPr>
-          <p:cNvPr id="2" name="Title 1"/>
-          <p:cNvSpPr>
-            <a:spLocks noGrp="1"/>
-          </p:cNvSpPr>
-          <p:nvPr>
-            <p:ph type="title"/>
-          </p:nvPr>
-        </p:nvSpPr>
-        <p:spPr>
-          <a:xfrm>
-            <a:off x="457200" y="2742859"/>
-            <a:ext cx="8229600" cy="1143000"/>
-          </a:xfrm>
-        </p:spPr>
-        <p:txBody>
-          <a:bodyPr/>
-          <a:lstStyle/>
-          <a:p>
-            <a:r>
-              <a:rPr lang="en-US" dirty="0" smtClean="0"/>
-              <a:t>Demo and Questions</a:t>
-            </a:r>
-            <a:endParaRPr lang="en-US" dirty="0"/>
-          </a:p>
-        </p:txBody>
-      </p:sp>
-    </p:spTree>
-    <p:extLst>
-      <p:ext uri="{BB962C8B-B14F-4D97-AF65-F5344CB8AC3E}">
-        <p14:creationId xmlns:p14="http://schemas.microsoft.com/office/powerpoint/2010/main" val="2063180681"/>
       </p:ext>
     </p:extLst>
   </p:cSld>

--- a/src/main/resources/chat_app_presentation.pptx
+++ b/src/main/resources/chat_app_presentation.pptx
@@ -5,19 +5,18 @@
     <p:sldMasterId id="2147483648" r:id="rId1"/>
   </p:sldMasterIdLst>
   <p:notesMasterIdLst>
-    <p:notesMasterId r:id="rId12"/>
+    <p:notesMasterId r:id="rId11"/>
   </p:notesMasterIdLst>
   <p:sldIdLst>
     <p:sldId id="256" r:id="rId2"/>
     <p:sldId id="261" r:id="rId3"/>
-    <p:sldId id="264" r:id="rId4"/>
+    <p:sldId id="257" r:id="rId4"/>
     <p:sldId id="258" r:id="rId5"/>
-    <p:sldId id="265" r:id="rId6"/>
-    <p:sldId id="262" r:id="rId7"/>
-    <p:sldId id="257" r:id="rId8"/>
-    <p:sldId id="259" r:id="rId9"/>
-    <p:sldId id="260" r:id="rId10"/>
-    <p:sldId id="263" r:id="rId11"/>
+    <p:sldId id="266" r:id="rId6"/>
+    <p:sldId id="259" r:id="rId7"/>
+    <p:sldId id="262" r:id="rId8"/>
+    <p:sldId id="260" r:id="rId9"/>
+    <p:sldId id="263" r:id="rId10"/>
   </p:sldIdLst>
   <p:sldSz cx="9144000" cy="6858000" type="screen4x3"/>
   <p:notesSz cx="6858000" cy="9144000"/>
@@ -513,22 +512,6 @@
           <a:bodyPr/>
           <a:lstStyle/>
           <a:p>
-            <a:r>
-              <a:rPr lang="en-US" dirty="0" smtClean="0"/>
-              <a:t>Several</a:t>
-            </a:r>
-            <a:r>
-              <a:rPr lang="en-US" baseline="0" dirty="0" smtClean="0"/>
-              <a:t> high level use cases </a:t>
-            </a:r>
-            <a:r>
-              <a:rPr lang="mr-IN" baseline="0" dirty="0" smtClean="0"/>
-              <a:t>–</a:t>
-            </a:r>
-            <a:r>
-              <a:rPr lang="en-US" baseline="0" dirty="0" smtClean="0"/>
-              <a:t> requests that need to be supported by backend</a:t>
-            </a:r>
             <a:endParaRPr lang="en-US" dirty="0"/>
           </a:p>
         </p:txBody>
@@ -550,7 +533,7 @@
           <a:p>
             <a:fld id="{43DC2DDD-CC09-FA44-B0E7-875FE11E7331}" type="slidenum">
               <a:rPr lang="en-US" smtClean="0"/>
-              <a:t>2</a:t>
+              <a:t>1</a:t>
             </a:fld>
             <a:endParaRPr lang="en-US"/>
           </a:p>
@@ -559,7 +542,7 @@
     </p:spTree>
     <p:extLst>
       <p:ext uri="{BB962C8B-B14F-4D97-AF65-F5344CB8AC3E}">
-        <p14:creationId xmlns:p14="http://schemas.microsoft.com/office/powerpoint/2010/main" val="2214122610"/>
+        <p14:creationId xmlns:p14="http://schemas.microsoft.com/office/powerpoint/2010/main" val="974400416"/>
       </p:ext>
     </p:extLst>
   </p:cSld>
@@ -614,20 +597,24 @@
           <a:lstStyle/>
           <a:p>
             <a:r>
-              <a:rPr lang="en-US" dirty="0" err="1" smtClean="0"/>
-              <a:t>CompositeUser</a:t>
+              <a:rPr lang="en-US" dirty="0" smtClean="0"/>
+              <a:t>(Presenter 1) Several</a:t>
             </a:r>
             <a:r>
               <a:rPr lang="en-US" baseline="0" dirty="0" smtClean="0"/>
-              <a:t> extends </a:t>
+              <a:t> </a:t>
             </a:r>
             <a:r>
               <a:rPr lang="en-US" baseline="0" dirty="0" smtClean="0"/>
-              <a:t>user, </a:t>
-            </a:r>
-            <a:r>
-              <a:rPr lang="en-US" baseline="0" dirty="0" err="1" smtClean="0"/>
-              <a:t>compositechatroom</a:t>
+              <a:t>high level use cases </a:t>
+            </a:r>
+            <a:r>
+              <a:rPr lang="mr-IN" baseline="0" dirty="0" smtClean="0"/>
+              <a:t>–</a:t>
+            </a:r>
+            <a:r>
+              <a:rPr lang="en-US" baseline="0" dirty="0" smtClean="0"/>
+              <a:t> requests that need to be supported by backend</a:t>
             </a:r>
             <a:endParaRPr lang="en-US" dirty="0"/>
           </a:p>
@@ -650,7 +637,7 @@
           <a:p>
             <a:fld id="{43DC2DDD-CC09-FA44-B0E7-875FE11E7331}" type="slidenum">
               <a:rPr lang="en-US" smtClean="0"/>
-              <a:t>4</a:t>
+              <a:t>2</a:t>
             </a:fld>
             <a:endParaRPr lang="en-US"/>
           </a:p>
@@ -659,7 +646,7 @@
     </p:spTree>
     <p:extLst>
       <p:ext uri="{BB962C8B-B14F-4D97-AF65-F5344CB8AC3E}">
-        <p14:creationId xmlns:p14="http://schemas.microsoft.com/office/powerpoint/2010/main" val="1221506984"/>
+        <p14:creationId xmlns:p14="http://schemas.microsoft.com/office/powerpoint/2010/main" val="2214122610"/>
       </p:ext>
     </p:extLst>
   </p:cSld>
@@ -715,28 +702,31 @@
           <a:p>
             <a:r>
               <a:rPr lang="en-US" dirty="0" smtClean="0"/>
-              <a:t>Introduce</a:t>
+              <a:t>(Presenter</a:t>
             </a:r>
             <a:r>
               <a:rPr lang="en-US" baseline="0" dirty="0" smtClean="0"/>
-              <a:t> main assumption of message sending. The rest of design is based off this assumption, not like chat apps we use.</a:t>
-            </a:r>
-            <a:endParaRPr lang="en-US" dirty="0" smtClean="0"/>
-          </a:p>
-          <a:p>
+              <a:t> 1) </a:t>
+            </a:r>
             <a:r>
               <a:rPr lang="en-US" dirty="0" smtClean="0"/>
-              <a:t>Regular messages go to a single other user in the chat</a:t>
+              <a:t>CAC is an observable observed by chat rooms and also a singleton,</a:t>
             </a:r>
             <a:r>
               <a:rPr lang="en-US" baseline="0" dirty="0" smtClean="0"/>
-              <a:t> room. Owners can send a message to all other users. </a:t>
-            </a:r>
-          </a:p>
-          <a:p>
+              <a:t> so that we can access </a:t>
+            </a:r>
+            <a:r>
+              <a:rPr lang="en-US" baseline="0" dirty="0" err="1" smtClean="0"/>
+              <a:t>notifyObservers</a:t>
+            </a:r>
+            <a:r>
+              <a:rPr lang="en-US" dirty="0" smtClean="0"/>
+              <a:t>.</a:t>
+            </a:r>
             <a:r>
               <a:rPr lang="en-US" baseline="0" dirty="0" smtClean="0"/>
-              <a:t>Users can receive messages even when they are not on the chat room page.</a:t>
+              <a:t> Session-&gt;username-&gt;user object hash maps. WSC receives front end requests. CAC stores data and processes requests.</a:t>
             </a:r>
             <a:endParaRPr lang="en-US" dirty="0"/>
           </a:p>
@@ -759,7 +749,7 @@
           <a:p>
             <a:fld id="{43DC2DDD-CC09-FA44-B0E7-875FE11E7331}" type="slidenum">
               <a:rPr lang="en-US" smtClean="0"/>
-              <a:t>6</a:t>
+              <a:t>3</a:t>
             </a:fld>
             <a:endParaRPr lang="en-US"/>
           </a:p>
@@ -768,7 +758,7 @@
     </p:spTree>
     <p:extLst>
       <p:ext uri="{BB962C8B-B14F-4D97-AF65-F5344CB8AC3E}">
-        <p14:creationId xmlns:p14="http://schemas.microsoft.com/office/powerpoint/2010/main" val="200956335"/>
+        <p14:creationId xmlns:p14="http://schemas.microsoft.com/office/powerpoint/2010/main" val="3552746188"/>
       </p:ext>
     </p:extLst>
   </p:cSld>
@@ -824,7 +814,470 @@
           <a:p>
             <a:r>
               <a:rPr lang="en-US" dirty="0" smtClean="0"/>
-              <a:t>Walk through flow</a:t>
+              <a:t>(Presenter</a:t>
+            </a:r>
+            <a:r>
+              <a:rPr lang="en-US" baseline="0" dirty="0" smtClean="0"/>
+              <a:t> 1) </a:t>
+            </a:r>
+            <a:r>
+              <a:rPr lang="en-US" dirty="0" err="1" smtClean="0"/>
+              <a:t>ChatRoom</a:t>
+            </a:r>
+            <a:r>
+              <a:rPr lang="en-US" baseline="0" dirty="0" smtClean="0"/>
+              <a:t> observes CAC. Users observe </a:t>
+            </a:r>
+            <a:r>
+              <a:rPr lang="en-US" baseline="0" dirty="0" err="1" smtClean="0"/>
+              <a:t>ChatRoom</a:t>
+            </a:r>
+            <a:r>
+              <a:rPr lang="en-US" baseline="0" dirty="0" smtClean="0"/>
+              <a:t>.</a:t>
+            </a:r>
+            <a:endParaRPr lang="en-US" dirty="0"/>
+          </a:p>
+        </p:txBody>
+      </p:sp>
+      <p:sp>
+        <p:nvSpPr>
+          <p:cNvPr id="4" name="Slide Number Placeholder 3"/>
+          <p:cNvSpPr>
+            <a:spLocks noGrp="1"/>
+          </p:cNvSpPr>
+          <p:nvPr>
+            <p:ph type="sldNum" sz="quarter" idx="10"/>
+          </p:nvPr>
+        </p:nvSpPr>
+        <p:spPr/>
+        <p:txBody>
+          <a:bodyPr/>
+          <a:lstStyle/>
+          <a:p>
+            <a:fld id="{43DC2DDD-CC09-FA44-B0E7-875FE11E7331}" type="slidenum">
+              <a:rPr lang="en-US" smtClean="0"/>
+              <a:t>4</a:t>
+            </a:fld>
+            <a:endParaRPr lang="en-US"/>
+          </a:p>
+        </p:txBody>
+      </p:sp>
+    </p:spTree>
+    <p:extLst>
+      <p:ext uri="{BB962C8B-B14F-4D97-AF65-F5344CB8AC3E}">
+        <p14:creationId xmlns:p14="http://schemas.microsoft.com/office/powerpoint/2010/main" val="1221506984"/>
+      </p:ext>
+    </p:extLst>
+  </p:cSld>
+  <p:clrMapOvr>
+    <a:masterClrMapping/>
+  </p:clrMapOvr>
+</p:notes>
+</file>
+
+<file path=ppt/notesSlides/notesSlide5.xml><?xml version="1.0" encoding="utf-8"?>
+<p:notes xmlns:a="http://schemas.openxmlformats.org/drawingml/2006/main" xmlns:r="http://schemas.openxmlformats.org/officeDocument/2006/relationships" xmlns:p="http://schemas.openxmlformats.org/presentationml/2006/main">
+  <p:cSld>
+    <p:spTree>
+      <p:nvGrpSpPr>
+        <p:cNvPr id="1" name=""/>
+        <p:cNvGrpSpPr/>
+        <p:nvPr/>
+      </p:nvGrpSpPr>
+      <p:grpSpPr>
+        <a:xfrm>
+          <a:off x="0" y="0"/>
+          <a:ext cx="0" cy="0"/>
+          <a:chOff x="0" y="0"/>
+          <a:chExt cx="0" cy="0"/>
+        </a:xfrm>
+      </p:grpSpPr>
+      <p:sp>
+        <p:nvSpPr>
+          <p:cNvPr id="2" name="Slide Image Placeholder 1"/>
+          <p:cNvSpPr>
+            <a:spLocks noGrp="1" noRot="1" noChangeAspect="1"/>
+          </p:cNvSpPr>
+          <p:nvPr>
+            <p:ph type="sldImg"/>
+          </p:nvPr>
+        </p:nvSpPr>
+        <p:spPr/>
+      </p:sp>
+      <p:sp>
+        <p:nvSpPr>
+          <p:cNvPr id="3" name="Notes Placeholder 2"/>
+          <p:cNvSpPr>
+            <a:spLocks noGrp="1"/>
+          </p:cNvSpPr>
+          <p:nvPr>
+            <p:ph type="body" idx="1"/>
+          </p:nvPr>
+        </p:nvSpPr>
+        <p:spPr/>
+        <p:txBody>
+          <a:bodyPr/>
+          <a:lstStyle/>
+          <a:p>
+            <a:r>
+              <a:rPr lang="en-US" dirty="0" smtClean="0"/>
+              <a:t>(Presenter</a:t>
+            </a:r>
+            <a:r>
+              <a:rPr lang="en-US" baseline="0" dirty="0" smtClean="0"/>
+              <a:t> 2) </a:t>
+            </a:r>
+            <a:r>
+              <a:rPr lang="en-US" dirty="0" smtClean="0"/>
+              <a:t>(THIS IS A VERY IMPORTANT</a:t>
+            </a:r>
+            <a:r>
+              <a:rPr lang="en-US" baseline="0" dirty="0" smtClean="0"/>
+              <a:t> SLIDE) </a:t>
+            </a:r>
+            <a:r>
+              <a:rPr lang="en-US" dirty="0" smtClean="0"/>
+              <a:t>All requests from view go to WSC</a:t>
+            </a:r>
+            <a:r>
+              <a:rPr lang="en-US" baseline="0" dirty="0" smtClean="0"/>
+              <a:t> via </a:t>
+            </a:r>
+            <a:r>
+              <a:rPr lang="en-US" baseline="0" dirty="0" err="1" smtClean="0"/>
+              <a:t>websocket</a:t>
+            </a:r>
+            <a:r>
+              <a:rPr lang="en-US" baseline="0" dirty="0" smtClean="0"/>
+              <a:t> send interface. CAC handles backend action and sends response back to view as a message. </a:t>
+            </a:r>
+            <a:r>
+              <a:rPr lang="en-US" b="1" baseline="0" dirty="0" smtClean="0"/>
+              <a:t>This allows us to use Session as the single identifier from the view.</a:t>
+            </a:r>
+          </a:p>
+          <a:p>
+            <a:r>
+              <a:rPr lang="en-US" b="0" baseline="0" dirty="0" smtClean="0"/>
+              <a:t>CAC uses command to update chat rooms. Composite users and composite chat rooms to send messages to all or exit all chat rooms.</a:t>
+            </a:r>
+            <a:endParaRPr lang="en-US" b="0" dirty="0"/>
+          </a:p>
+        </p:txBody>
+      </p:sp>
+      <p:sp>
+        <p:nvSpPr>
+          <p:cNvPr id="4" name="Slide Number Placeholder 3"/>
+          <p:cNvSpPr>
+            <a:spLocks noGrp="1"/>
+          </p:cNvSpPr>
+          <p:nvPr>
+            <p:ph type="sldNum" sz="quarter" idx="10"/>
+          </p:nvPr>
+        </p:nvSpPr>
+        <p:spPr/>
+        <p:txBody>
+          <a:bodyPr/>
+          <a:lstStyle/>
+          <a:p>
+            <a:fld id="{43DC2DDD-CC09-FA44-B0E7-875FE11E7331}" type="slidenum">
+              <a:rPr lang="en-US" smtClean="0"/>
+              <a:t>5</a:t>
+            </a:fld>
+            <a:endParaRPr lang="en-US"/>
+          </a:p>
+        </p:txBody>
+      </p:sp>
+    </p:spTree>
+    <p:extLst>
+      <p:ext uri="{BB962C8B-B14F-4D97-AF65-F5344CB8AC3E}">
+        <p14:creationId xmlns:p14="http://schemas.microsoft.com/office/powerpoint/2010/main" val="4267215175"/>
+      </p:ext>
+    </p:extLst>
+  </p:cSld>
+  <p:clrMapOvr>
+    <a:masterClrMapping/>
+  </p:clrMapOvr>
+</p:notes>
+</file>
+
+<file path=ppt/notesSlides/notesSlide6.xml><?xml version="1.0" encoding="utf-8"?>
+<p:notes xmlns:a="http://schemas.openxmlformats.org/drawingml/2006/main" xmlns:r="http://schemas.openxmlformats.org/officeDocument/2006/relationships" xmlns:p="http://schemas.openxmlformats.org/presentationml/2006/main">
+  <p:cSld>
+    <p:spTree>
+      <p:nvGrpSpPr>
+        <p:cNvPr id="1" name=""/>
+        <p:cNvGrpSpPr/>
+        <p:nvPr/>
+      </p:nvGrpSpPr>
+      <p:grpSpPr>
+        <a:xfrm>
+          <a:off x="0" y="0"/>
+          <a:ext cx="0" cy="0"/>
+          <a:chOff x="0" y="0"/>
+          <a:chExt cx="0" cy="0"/>
+        </a:xfrm>
+      </p:grpSpPr>
+      <p:sp>
+        <p:nvSpPr>
+          <p:cNvPr id="2" name="Slide Image Placeholder 1"/>
+          <p:cNvSpPr>
+            <a:spLocks noGrp="1" noRot="1" noChangeAspect="1"/>
+          </p:cNvSpPr>
+          <p:nvPr>
+            <p:ph type="sldImg"/>
+          </p:nvPr>
+        </p:nvSpPr>
+        <p:spPr/>
+      </p:sp>
+      <p:sp>
+        <p:nvSpPr>
+          <p:cNvPr id="3" name="Notes Placeholder 2"/>
+          <p:cNvSpPr>
+            <a:spLocks noGrp="1"/>
+          </p:cNvSpPr>
+          <p:nvPr>
+            <p:ph type="body" idx="1"/>
+          </p:nvPr>
+        </p:nvSpPr>
+        <p:spPr/>
+        <p:txBody>
+          <a:bodyPr/>
+          <a:lstStyle/>
+          <a:p>
+            <a:r>
+              <a:rPr lang="en-US" dirty="0" smtClean="0"/>
+              <a:t>(Presenter 2) Two levels of commands. CAC-&gt;</a:t>
+            </a:r>
+            <a:r>
+              <a:rPr lang="en-US" dirty="0" err="1" smtClean="0"/>
+              <a:t>ChatRoom</a:t>
+            </a:r>
+            <a:r>
+              <a:rPr lang="en-US" baseline="0" dirty="0" smtClean="0"/>
+              <a:t> and </a:t>
+            </a:r>
+            <a:r>
+              <a:rPr lang="en-US" baseline="0" dirty="0" err="1" smtClean="0"/>
+              <a:t>ChatRoom</a:t>
+            </a:r>
+            <a:r>
+              <a:rPr lang="en-US" baseline="0" dirty="0" smtClean="0"/>
+              <a:t>-&gt;User. Used for all observable-observer interactions such as sending messages and joining/leaving rooms.</a:t>
+            </a:r>
+            <a:endParaRPr lang="en-US" dirty="0"/>
+          </a:p>
+        </p:txBody>
+      </p:sp>
+      <p:sp>
+        <p:nvSpPr>
+          <p:cNvPr id="4" name="Slide Number Placeholder 3"/>
+          <p:cNvSpPr>
+            <a:spLocks noGrp="1"/>
+          </p:cNvSpPr>
+          <p:nvPr>
+            <p:ph type="sldNum" sz="quarter" idx="10"/>
+          </p:nvPr>
+        </p:nvSpPr>
+        <p:spPr/>
+        <p:txBody>
+          <a:bodyPr/>
+          <a:lstStyle/>
+          <a:p>
+            <a:fld id="{43DC2DDD-CC09-FA44-B0E7-875FE11E7331}" type="slidenum">
+              <a:rPr lang="en-US" smtClean="0"/>
+              <a:t>6</a:t>
+            </a:fld>
+            <a:endParaRPr lang="en-US"/>
+          </a:p>
+        </p:txBody>
+      </p:sp>
+    </p:spTree>
+    <p:extLst>
+      <p:ext uri="{BB962C8B-B14F-4D97-AF65-F5344CB8AC3E}">
+        <p14:creationId xmlns:p14="http://schemas.microsoft.com/office/powerpoint/2010/main" val="1999378645"/>
+      </p:ext>
+    </p:extLst>
+  </p:cSld>
+  <p:clrMapOvr>
+    <a:masterClrMapping/>
+  </p:clrMapOvr>
+</p:notes>
+</file>
+
+<file path=ppt/notesSlides/notesSlide7.xml><?xml version="1.0" encoding="utf-8"?>
+<p:notes xmlns:a="http://schemas.openxmlformats.org/drawingml/2006/main" xmlns:r="http://schemas.openxmlformats.org/officeDocument/2006/relationships" xmlns:p="http://schemas.openxmlformats.org/presentationml/2006/main">
+  <p:cSld>
+    <p:spTree>
+      <p:nvGrpSpPr>
+        <p:cNvPr id="1" name=""/>
+        <p:cNvGrpSpPr/>
+        <p:nvPr/>
+      </p:nvGrpSpPr>
+      <p:grpSpPr>
+        <a:xfrm>
+          <a:off x="0" y="0"/>
+          <a:ext cx="0" cy="0"/>
+          <a:chOff x="0" y="0"/>
+          <a:chExt cx="0" cy="0"/>
+        </a:xfrm>
+      </p:grpSpPr>
+      <p:sp>
+        <p:nvSpPr>
+          <p:cNvPr id="2" name="Slide Image Placeholder 1"/>
+          <p:cNvSpPr>
+            <a:spLocks noGrp="1" noRot="1" noChangeAspect="1"/>
+          </p:cNvSpPr>
+          <p:nvPr>
+            <p:ph type="sldImg"/>
+          </p:nvPr>
+        </p:nvSpPr>
+        <p:spPr/>
+      </p:sp>
+      <p:sp>
+        <p:nvSpPr>
+          <p:cNvPr id="3" name="Notes Placeholder 2"/>
+          <p:cNvSpPr>
+            <a:spLocks noGrp="1"/>
+          </p:cNvSpPr>
+          <p:nvPr>
+            <p:ph type="body" idx="1"/>
+          </p:nvPr>
+        </p:nvSpPr>
+        <p:spPr/>
+        <p:txBody>
+          <a:bodyPr/>
+          <a:lstStyle/>
+          <a:p>
+            <a:r>
+              <a:rPr lang="en-US" dirty="0" smtClean="0"/>
+              <a:t>(Presenter 3) (THIS SLIDE IS PRETTY IMPORTANT</a:t>
+            </a:r>
+            <a:r>
+              <a:rPr lang="en-US" baseline="0" dirty="0" smtClean="0"/>
+              <a:t> TOO) </a:t>
+            </a:r>
+            <a:r>
+              <a:rPr lang="en-US" dirty="0" smtClean="0"/>
+              <a:t>Introduce</a:t>
+            </a:r>
+            <a:r>
+              <a:rPr lang="en-US" baseline="0" dirty="0" smtClean="0"/>
+              <a:t> </a:t>
+            </a:r>
+            <a:r>
+              <a:rPr lang="en-US" baseline="0" dirty="0" smtClean="0"/>
+              <a:t>main assumption of message sending. The rest of design is based off this assumption, not like chat apps we use.</a:t>
+            </a:r>
+            <a:endParaRPr lang="en-US" dirty="0" smtClean="0"/>
+          </a:p>
+          <a:p>
+            <a:r>
+              <a:rPr lang="en-US" dirty="0" smtClean="0"/>
+              <a:t>Regular messages go to a single other user in the chat</a:t>
+            </a:r>
+            <a:r>
+              <a:rPr lang="en-US" baseline="0" dirty="0" smtClean="0"/>
+              <a:t> room. Owners can send a message to all other users. </a:t>
+            </a:r>
+          </a:p>
+          <a:p>
+            <a:r>
+              <a:rPr lang="en-US" baseline="0" dirty="0" smtClean="0"/>
+              <a:t>Users can receive messages even when they are not on the chat room page.</a:t>
+            </a:r>
+            <a:endParaRPr lang="en-US" dirty="0"/>
+          </a:p>
+        </p:txBody>
+      </p:sp>
+      <p:sp>
+        <p:nvSpPr>
+          <p:cNvPr id="4" name="Slide Number Placeholder 3"/>
+          <p:cNvSpPr>
+            <a:spLocks noGrp="1"/>
+          </p:cNvSpPr>
+          <p:nvPr>
+            <p:ph type="sldNum" sz="quarter" idx="10"/>
+          </p:nvPr>
+        </p:nvSpPr>
+        <p:spPr/>
+        <p:txBody>
+          <a:bodyPr/>
+          <a:lstStyle/>
+          <a:p>
+            <a:fld id="{43DC2DDD-CC09-FA44-B0E7-875FE11E7331}" type="slidenum">
+              <a:rPr lang="en-US" smtClean="0"/>
+              <a:t>7</a:t>
+            </a:fld>
+            <a:endParaRPr lang="en-US"/>
+          </a:p>
+        </p:txBody>
+      </p:sp>
+    </p:spTree>
+    <p:extLst>
+      <p:ext uri="{BB962C8B-B14F-4D97-AF65-F5344CB8AC3E}">
+        <p14:creationId xmlns:p14="http://schemas.microsoft.com/office/powerpoint/2010/main" val="200956335"/>
+      </p:ext>
+    </p:extLst>
+  </p:cSld>
+  <p:clrMapOvr>
+    <a:masterClrMapping/>
+  </p:clrMapOvr>
+</p:notes>
+</file>
+
+<file path=ppt/notesSlides/notesSlide8.xml><?xml version="1.0" encoding="utf-8"?>
+<p:notes xmlns:a="http://schemas.openxmlformats.org/drawingml/2006/main" xmlns:r="http://schemas.openxmlformats.org/officeDocument/2006/relationships" xmlns:p="http://schemas.openxmlformats.org/presentationml/2006/main">
+  <p:cSld>
+    <p:spTree>
+      <p:nvGrpSpPr>
+        <p:cNvPr id="1" name=""/>
+        <p:cNvGrpSpPr/>
+        <p:nvPr/>
+      </p:nvGrpSpPr>
+      <p:grpSpPr>
+        <a:xfrm>
+          <a:off x="0" y="0"/>
+          <a:ext cx="0" cy="0"/>
+          <a:chOff x="0" y="0"/>
+          <a:chExt cx="0" cy="0"/>
+        </a:xfrm>
+      </p:grpSpPr>
+      <p:sp>
+        <p:nvSpPr>
+          <p:cNvPr id="2" name="Slide Image Placeholder 1"/>
+          <p:cNvSpPr>
+            <a:spLocks noGrp="1" noRot="1" noChangeAspect="1"/>
+          </p:cNvSpPr>
+          <p:nvPr>
+            <p:ph type="sldImg"/>
+          </p:nvPr>
+        </p:nvSpPr>
+        <p:spPr/>
+      </p:sp>
+      <p:sp>
+        <p:nvSpPr>
+          <p:cNvPr id="3" name="Notes Placeholder 2"/>
+          <p:cNvSpPr>
+            <a:spLocks noGrp="1"/>
+          </p:cNvSpPr>
+          <p:nvPr>
+            <p:ph type="body" idx="1"/>
+          </p:nvPr>
+        </p:nvSpPr>
+        <p:spPr/>
+        <p:txBody>
+          <a:bodyPr/>
+          <a:lstStyle/>
+          <a:p>
+            <a:r>
+              <a:rPr lang="en-US" dirty="0" smtClean="0"/>
+              <a:t>(Presenter 3) Walk </a:t>
+            </a:r>
+            <a:r>
+              <a:rPr lang="en-US" dirty="0" smtClean="0"/>
+              <a:t>through flow</a:t>
             </a:r>
             <a:r>
               <a:rPr lang="en-US" baseline="0" dirty="0" smtClean="0"/>
@@ -851,7 +1304,7 @@
           <a:p>
             <a:fld id="{43DC2DDD-CC09-FA44-B0E7-875FE11E7331}" type="slidenum">
               <a:rPr lang="en-US" smtClean="0"/>
-              <a:t>9</a:t>
+              <a:t>8</a:t>
             </a:fld>
             <a:endParaRPr lang="en-US"/>
           </a:p>
@@ -861,6 +1314,98 @@
     <p:extLst>
       <p:ext uri="{BB962C8B-B14F-4D97-AF65-F5344CB8AC3E}">
         <p14:creationId xmlns:p14="http://schemas.microsoft.com/office/powerpoint/2010/main" val="624100237"/>
+      </p:ext>
+    </p:extLst>
+  </p:cSld>
+  <p:clrMapOvr>
+    <a:masterClrMapping/>
+  </p:clrMapOvr>
+</p:notes>
+</file>
+
+<file path=ppt/notesSlides/notesSlide9.xml><?xml version="1.0" encoding="utf-8"?>
+<p:notes xmlns:a="http://schemas.openxmlformats.org/drawingml/2006/main" xmlns:r="http://schemas.openxmlformats.org/officeDocument/2006/relationships" xmlns:p="http://schemas.openxmlformats.org/presentationml/2006/main">
+  <p:cSld>
+    <p:spTree>
+      <p:nvGrpSpPr>
+        <p:cNvPr id="1" name=""/>
+        <p:cNvGrpSpPr/>
+        <p:nvPr/>
+      </p:nvGrpSpPr>
+      <p:grpSpPr>
+        <a:xfrm>
+          <a:off x="0" y="0"/>
+          <a:ext cx="0" cy="0"/>
+          <a:chOff x="0" y="0"/>
+          <a:chExt cx="0" cy="0"/>
+        </a:xfrm>
+      </p:grpSpPr>
+      <p:sp>
+        <p:nvSpPr>
+          <p:cNvPr id="2" name="Slide Image Placeholder 1"/>
+          <p:cNvSpPr>
+            <a:spLocks noGrp="1" noRot="1" noChangeAspect="1"/>
+          </p:cNvSpPr>
+          <p:nvPr>
+            <p:ph type="sldImg"/>
+          </p:nvPr>
+        </p:nvSpPr>
+        <p:spPr/>
+      </p:sp>
+      <p:sp>
+        <p:nvSpPr>
+          <p:cNvPr id="3" name="Notes Placeholder 2"/>
+          <p:cNvSpPr>
+            <a:spLocks noGrp="1"/>
+          </p:cNvSpPr>
+          <p:nvPr>
+            <p:ph type="body" idx="1"/>
+          </p:nvPr>
+        </p:nvSpPr>
+        <p:spPr/>
+        <p:txBody>
+          <a:bodyPr/>
+          <a:lstStyle/>
+          <a:p>
+            <a:r>
+              <a:rPr lang="en-US" dirty="0" smtClean="0"/>
+              <a:t>(Presenter 4) Walk through the different flows in the app. Lists start out empty</a:t>
+            </a:r>
+            <a:r>
+              <a:rPr lang="en-US" baseline="0" dirty="0" smtClean="0"/>
+              <a:t> on page load. Lists load when user logs in and chat room loads when user enters room. What happens when each button is pressed.</a:t>
+            </a:r>
+            <a:endParaRPr lang="en-US" dirty="0"/>
+          </a:p>
+        </p:txBody>
+      </p:sp>
+      <p:sp>
+        <p:nvSpPr>
+          <p:cNvPr id="4" name="Slide Number Placeholder 3"/>
+          <p:cNvSpPr>
+            <a:spLocks noGrp="1"/>
+          </p:cNvSpPr>
+          <p:nvPr>
+            <p:ph type="sldNum" sz="quarter" idx="10"/>
+          </p:nvPr>
+        </p:nvSpPr>
+        <p:spPr/>
+        <p:txBody>
+          <a:bodyPr/>
+          <a:lstStyle/>
+          <a:p>
+            <a:fld id="{43DC2DDD-CC09-FA44-B0E7-875FE11E7331}" type="slidenum">
+              <a:rPr lang="en-US" smtClean="0"/>
+              <a:t>9</a:t>
+            </a:fld>
+            <a:endParaRPr lang="en-US"/>
+          </a:p>
+        </p:txBody>
+      </p:sp>
+    </p:spTree>
+    <p:extLst>
+      <p:ext uri="{BB962C8B-B14F-4D97-AF65-F5344CB8AC3E}">
+        <p14:creationId xmlns:p14="http://schemas.microsoft.com/office/powerpoint/2010/main" val="3371960394"/>
       </p:ext>
     </p:extLst>
   </p:cSld>
@@ -3974,64 +4519,6 @@
 </p:sld>
 </file>
 
-<file path=ppt/slides/slide10.xml><?xml version="1.0" encoding="utf-8"?>
-<p:sld xmlns:a="http://schemas.openxmlformats.org/drawingml/2006/main" xmlns:r="http://schemas.openxmlformats.org/officeDocument/2006/relationships" xmlns:p="http://schemas.openxmlformats.org/presentationml/2006/main">
-  <p:cSld>
-    <p:spTree>
-      <p:nvGrpSpPr>
-        <p:cNvPr id="1" name=""/>
-        <p:cNvGrpSpPr/>
-        <p:nvPr/>
-      </p:nvGrpSpPr>
-      <p:grpSpPr>
-        <a:xfrm>
-          <a:off x="0" y="0"/>
-          <a:ext cx="0" cy="0"/>
-          <a:chOff x="0" y="0"/>
-          <a:chExt cx="0" cy="0"/>
-        </a:xfrm>
-      </p:grpSpPr>
-      <p:sp>
-        <p:nvSpPr>
-          <p:cNvPr id="2" name="Title 1"/>
-          <p:cNvSpPr>
-            <a:spLocks noGrp="1"/>
-          </p:cNvSpPr>
-          <p:nvPr>
-            <p:ph type="title"/>
-          </p:nvPr>
-        </p:nvSpPr>
-        <p:spPr>
-          <a:xfrm>
-            <a:off x="457200" y="2742859"/>
-            <a:ext cx="8229600" cy="1143000"/>
-          </a:xfrm>
-        </p:spPr>
-        <p:txBody>
-          <a:bodyPr/>
-          <a:lstStyle/>
-          <a:p>
-            <a:r>
-              <a:rPr lang="en-US" dirty="0" smtClean="0"/>
-              <a:t>Demo and Questions</a:t>
-            </a:r>
-            <a:endParaRPr lang="en-US" dirty="0"/>
-          </a:p>
-        </p:txBody>
-      </p:sp>
-    </p:spTree>
-    <p:extLst>
-      <p:ext uri="{BB962C8B-B14F-4D97-AF65-F5344CB8AC3E}">
-        <p14:creationId xmlns:p14="http://schemas.microsoft.com/office/powerpoint/2010/main" val="2063180681"/>
-      </p:ext>
-    </p:extLst>
-  </p:cSld>
-  <p:clrMapOvr>
-    <a:masterClrMapping/>
-  </p:clrMapOvr>
-</p:sld>
-</file>
-
 <file path=ppt/slides/slide2.xml><?xml version="1.0" encoding="utf-8"?>
 <p:sld xmlns:a="http://schemas.openxmlformats.org/drawingml/2006/main" xmlns:r="http://schemas.openxmlformats.org/officeDocument/2006/relationships" xmlns:p="http://schemas.openxmlformats.org/presentationml/2006/main">
   <p:cSld>
@@ -4165,60 +4652,64 @@
           <a:p>
             <a:r>
               <a:rPr lang="en-US" dirty="0" smtClean="0"/>
-              <a:t>User Mappings</a:t>
+              <a:t>Controllers</a:t>
             </a:r>
             <a:endParaRPr lang="en-US" dirty="0"/>
           </a:p>
         </p:txBody>
       </p:sp>
-      <p:sp>
-        <p:nvSpPr>
-          <p:cNvPr id="3" name="Content Placeholder 2"/>
-          <p:cNvSpPr>
-            <a:spLocks noGrp="1"/>
-          </p:cNvSpPr>
-          <p:nvPr>
-            <p:ph idx="1"/>
-          </p:nvPr>
-        </p:nvSpPr>
-        <p:spPr/>
-        <p:txBody>
-          <a:bodyPr/>
-          <a:lstStyle/>
-          <a:p>
-            <a:r>
-              <a:rPr lang="en-US" dirty="0" smtClean="0"/>
-              <a:t>Session -&gt; </a:t>
-            </a:r>
-            <a:r>
-              <a:rPr lang="en-US" dirty="0" err="1" smtClean="0"/>
-              <a:t>userid</a:t>
-            </a:r>
-            <a:endParaRPr lang="en-US" dirty="0" smtClean="0"/>
-          </a:p>
-          <a:p>
-            <a:r>
-              <a:rPr lang="en-US" dirty="0" err="1" smtClean="0"/>
-              <a:t>Userid</a:t>
-            </a:r>
-            <a:r>
-              <a:rPr lang="en-US" dirty="0" smtClean="0"/>
-              <a:t> -&gt; username</a:t>
-            </a:r>
-          </a:p>
-          <a:p>
-            <a:r>
-              <a:rPr lang="en-US" dirty="0" smtClean="0"/>
-              <a:t>Username -&gt; user object</a:t>
-            </a:r>
-            <a:endParaRPr lang="en-US" dirty="0"/>
-          </a:p>
-        </p:txBody>
-      </p:sp>
+      <p:pic>
+        <p:nvPicPr>
+          <p:cNvPr id="4" name="Picture 3"/>
+          <p:cNvPicPr>
+            <a:picLocks noChangeAspect="1"/>
+          </p:cNvPicPr>
+          <p:nvPr/>
+        </p:nvPicPr>
+        <p:blipFill>
+          <a:blip r:embed="rId3"/>
+          <a:stretch>
+            <a:fillRect/>
+          </a:stretch>
+        </p:blipFill>
+        <p:spPr>
+          <a:xfrm>
+            <a:off x="698878" y="1417638"/>
+            <a:ext cx="3505200" cy="3644900"/>
+          </a:xfrm>
+          <a:prstGeom prst="rect">
+            <a:avLst/>
+          </a:prstGeom>
+        </p:spPr>
+      </p:pic>
+      <p:pic>
+        <p:nvPicPr>
+          <p:cNvPr id="5" name="Picture 4"/>
+          <p:cNvPicPr>
+            <a:picLocks noChangeAspect="1"/>
+          </p:cNvPicPr>
+          <p:nvPr/>
+        </p:nvPicPr>
+        <p:blipFill>
+          <a:blip r:embed="rId4"/>
+          <a:stretch>
+            <a:fillRect/>
+          </a:stretch>
+        </p:blipFill>
+        <p:spPr>
+          <a:xfrm>
+            <a:off x="5044613" y="1417638"/>
+            <a:ext cx="2992918" cy="5096694"/>
+          </a:xfrm>
+          <a:prstGeom prst="rect">
+            <a:avLst/>
+          </a:prstGeom>
+        </p:spPr>
+      </p:pic>
     </p:spTree>
     <p:extLst>
       <p:ext uri="{BB962C8B-B14F-4D97-AF65-F5344CB8AC3E}">
-        <p14:creationId xmlns:p14="http://schemas.microsoft.com/office/powerpoint/2010/main" val="320375859"/>
+        <p14:creationId xmlns:p14="http://schemas.microsoft.com/office/powerpoint/2010/main" val="512292908"/>
       </p:ext>
     </p:extLst>
   </p:cSld>
@@ -4268,54 +4759,54 @@
           </a:p>
         </p:txBody>
       </p:sp>
-      <p:sp>
-        <p:nvSpPr>
-          <p:cNvPr id="3" name="Content Placeholder 2"/>
-          <p:cNvSpPr>
-            <a:spLocks noGrp="1"/>
-          </p:cNvSpPr>
-          <p:nvPr>
-            <p:ph idx="1"/>
-          </p:nvPr>
-        </p:nvSpPr>
-        <p:spPr/>
-        <p:txBody>
-          <a:bodyPr/>
-          <a:lstStyle/>
-          <a:p>
-            <a:r>
-              <a:rPr lang="en-US" dirty="0" smtClean="0"/>
-              <a:t>UML diagrams for User and </a:t>
-            </a:r>
-            <a:r>
-              <a:rPr lang="en-US" dirty="0" err="1" smtClean="0"/>
-              <a:t>ChatRoom</a:t>
-            </a:r>
-            <a:endParaRPr lang="en-US" dirty="0" smtClean="0"/>
-          </a:p>
-          <a:p>
-            <a:r>
-              <a:rPr lang="en-US" dirty="0" err="1" smtClean="0"/>
-              <a:t>ChatRoom</a:t>
-            </a:r>
-            <a:r>
-              <a:rPr lang="en-US" dirty="0" smtClean="0"/>
-              <a:t> observes CAC</a:t>
-            </a:r>
-          </a:p>
-          <a:p>
-            <a:r>
-              <a:rPr lang="en-US" dirty="0" smtClean="0"/>
-              <a:t>User observes </a:t>
-            </a:r>
-            <a:r>
-              <a:rPr lang="en-US" dirty="0" err="1" smtClean="0"/>
-              <a:t>ChatRoom</a:t>
-            </a:r>
-            <a:endParaRPr lang="en-US" dirty="0"/>
-          </a:p>
-        </p:txBody>
-      </p:sp>
+      <p:pic>
+        <p:nvPicPr>
+          <p:cNvPr id="4" name="Picture 3"/>
+          <p:cNvPicPr>
+            <a:picLocks noChangeAspect="1"/>
+          </p:cNvPicPr>
+          <p:nvPr/>
+        </p:nvPicPr>
+        <p:blipFill>
+          <a:blip r:embed="rId3"/>
+          <a:stretch>
+            <a:fillRect/>
+          </a:stretch>
+        </p:blipFill>
+        <p:spPr>
+          <a:xfrm>
+            <a:off x="5025784" y="1417638"/>
+            <a:ext cx="3481696" cy="5315902"/>
+          </a:xfrm>
+          <a:prstGeom prst="rect">
+            <a:avLst/>
+          </a:prstGeom>
+        </p:spPr>
+      </p:pic>
+      <p:pic>
+        <p:nvPicPr>
+          <p:cNvPr id="5" name="Picture 4"/>
+          <p:cNvPicPr>
+            <a:picLocks noChangeAspect="1"/>
+          </p:cNvPicPr>
+          <p:nvPr/>
+        </p:nvPicPr>
+        <p:blipFill>
+          <a:blip r:embed="rId4"/>
+          <a:stretch>
+            <a:fillRect/>
+          </a:stretch>
+        </p:blipFill>
+        <p:spPr>
+          <a:xfrm>
+            <a:off x="457200" y="1417638"/>
+            <a:ext cx="4120529" cy="5308563"/>
+          </a:xfrm>
+          <a:prstGeom prst="rect">
+            <a:avLst/>
+          </a:prstGeom>
+        </p:spPr>
+      </p:pic>
     </p:spTree>
     <p:extLst>
       <p:ext uri="{BB962C8B-B14F-4D97-AF65-F5344CB8AC3E}">
@@ -4363,7 +4854,7 @@
           <a:p>
             <a:r>
               <a:rPr lang="en-US" dirty="0" smtClean="0"/>
-              <a:t>Users and Chat Rooms</a:t>
+              <a:t>Request Handling</a:t>
             </a:r>
             <a:endParaRPr lang="en-US" dirty="0"/>
           </a:p>
@@ -4371,39 +4862,622 @@
       </p:sp>
       <p:sp>
         <p:nvSpPr>
-          <p:cNvPr id="3" name="Content Placeholder 2"/>
-          <p:cNvSpPr>
-            <a:spLocks noGrp="1"/>
-          </p:cNvSpPr>
-          <p:nvPr>
-            <p:ph idx="1"/>
-          </p:nvPr>
-        </p:nvSpPr>
-        <p:spPr/>
-        <p:txBody>
-          <a:bodyPr/>
-          <a:lstStyle/>
-          <a:p>
-            <a:r>
-              <a:rPr lang="en-US" dirty="0" smtClean="0"/>
-              <a:t>Joining/leaving chat rooms</a:t>
-            </a:r>
-          </a:p>
-          <a:p>
-            <a:r>
-              <a:rPr lang="en-US" dirty="0" smtClean="0"/>
-              <a:t>Creating users</a:t>
-            </a:r>
-          </a:p>
-          <a:p>
-            <a:endParaRPr lang="en-US" dirty="0"/>
-          </a:p>
-        </p:txBody>
-      </p:sp>
+          <p:cNvPr id="5" name="Rectangle 4"/>
+          <p:cNvSpPr/>
+          <p:nvPr/>
+        </p:nvSpPr>
+        <p:spPr>
+          <a:xfrm>
+            <a:off x="3452286" y="1593560"/>
+            <a:ext cx="1507576" cy="1905083"/>
+          </a:xfrm>
+          <a:prstGeom prst="rect">
+            <a:avLst/>
+          </a:prstGeom>
+          <a:solidFill>
+            <a:schemeClr val="bg1"/>
+          </a:solidFill>
+          <a:ln>
+            <a:solidFill>
+              <a:schemeClr val="tx1"/>
+            </a:solidFill>
+          </a:ln>
+          <a:effectLst/>
+        </p:spPr>
+        <p:style>
+          <a:lnRef idx="1">
+            <a:schemeClr val="accent1"/>
+          </a:lnRef>
+          <a:fillRef idx="3">
+            <a:schemeClr val="accent1"/>
+          </a:fillRef>
+          <a:effectRef idx="2">
+            <a:schemeClr val="accent1"/>
+          </a:effectRef>
+          <a:fontRef idx="minor">
+            <a:schemeClr val="lt1"/>
+          </a:fontRef>
+        </p:style>
+        <p:txBody>
+          <a:bodyPr rtlCol="0" anchor="ctr"/>
+          <a:lstStyle/>
+          <a:p>
+            <a:pPr algn="ctr"/>
+            <a:r>
+              <a:rPr lang="en-US" dirty="0" smtClean="0">
+                <a:solidFill>
+                  <a:srgbClr val="000000"/>
+                </a:solidFill>
+              </a:rPr>
+              <a:t>View</a:t>
+            </a:r>
+          </a:p>
+          <a:p>
+            <a:pPr algn="ctr"/>
+            <a:endParaRPr lang="en-US" dirty="0">
+              <a:solidFill>
+                <a:srgbClr val="000000"/>
+              </a:solidFill>
+            </a:endParaRPr>
+          </a:p>
+          <a:p>
+            <a:pPr algn="ctr"/>
+            <a:r>
+              <a:rPr lang="en-US" dirty="0" smtClean="0">
+                <a:solidFill>
+                  <a:srgbClr val="000000"/>
+                </a:solidFill>
+              </a:rPr>
+              <a:t>Send request as JSON</a:t>
+            </a:r>
+            <a:endParaRPr lang="en-US" dirty="0">
+              <a:solidFill>
+                <a:srgbClr val="000000"/>
+              </a:solidFill>
+            </a:endParaRPr>
+          </a:p>
+        </p:txBody>
+      </p:sp>
+      <p:sp>
+        <p:nvSpPr>
+          <p:cNvPr id="6" name="Rectangle 5"/>
+          <p:cNvSpPr/>
+          <p:nvPr/>
+        </p:nvSpPr>
+        <p:spPr>
+          <a:xfrm>
+            <a:off x="1160696" y="1593560"/>
+            <a:ext cx="1507576" cy="1905083"/>
+          </a:xfrm>
+          <a:prstGeom prst="rect">
+            <a:avLst/>
+          </a:prstGeom>
+          <a:solidFill>
+            <a:schemeClr val="bg1"/>
+          </a:solidFill>
+          <a:ln>
+            <a:solidFill>
+              <a:schemeClr val="tx1"/>
+            </a:solidFill>
+          </a:ln>
+          <a:effectLst/>
+        </p:spPr>
+        <p:style>
+          <a:lnRef idx="1">
+            <a:schemeClr val="accent1"/>
+          </a:lnRef>
+          <a:fillRef idx="3">
+            <a:schemeClr val="accent1"/>
+          </a:fillRef>
+          <a:effectRef idx="2">
+            <a:schemeClr val="accent1"/>
+          </a:effectRef>
+          <a:fontRef idx="minor">
+            <a:schemeClr val="lt1"/>
+          </a:fontRef>
+        </p:style>
+        <p:txBody>
+          <a:bodyPr rtlCol="0" anchor="ctr"/>
+          <a:lstStyle/>
+          <a:p>
+            <a:pPr algn="ctr"/>
+            <a:r>
+              <a:rPr lang="en-US" dirty="0" smtClean="0">
+                <a:solidFill>
+                  <a:srgbClr val="000000"/>
+                </a:solidFill>
+              </a:rPr>
+              <a:t>HTML</a:t>
+            </a:r>
+          </a:p>
+          <a:p>
+            <a:pPr algn="ctr"/>
+            <a:endParaRPr lang="en-US" dirty="0">
+              <a:solidFill>
+                <a:srgbClr val="000000"/>
+              </a:solidFill>
+            </a:endParaRPr>
+          </a:p>
+          <a:p>
+            <a:pPr algn="ctr"/>
+            <a:r>
+              <a:rPr lang="en-US" dirty="0" smtClean="0">
+                <a:solidFill>
+                  <a:srgbClr val="000000"/>
+                </a:solidFill>
+              </a:rPr>
+              <a:t>Click button</a:t>
+            </a:r>
+            <a:endParaRPr lang="en-US" dirty="0">
+              <a:solidFill>
+                <a:srgbClr val="000000"/>
+              </a:solidFill>
+            </a:endParaRPr>
+          </a:p>
+        </p:txBody>
+      </p:sp>
+      <p:sp>
+        <p:nvSpPr>
+          <p:cNvPr id="7" name="Rectangle 6"/>
+          <p:cNvSpPr/>
+          <p:nvPr/>
+        </p:nvSpPr>
+        <p:spPr>
+          <a:xfrm>
+            <a:off x="6108578" y="1593560"/>
+            <a:ext cx="2014096" cy="1905083"/>
+          </a:xfrm>
+          <a:prstGeom prst="rect">
+            <a:avLst/>
+          </a:prstGeom>
+          <a:solidFill>
+            <a:schemeClr val="bg1"/>
+          </a:solidFill>
+          <a:ln>
+            <a:solidFill>
+              <a:schemeClr val="tx1"/>
+            </a:solidFill>
+          </a:ln>
+          <a:effectLst/>
+        </p:spPr>
+        <p:style>
+          <a:lnRef idx="1">
+            <a:schemeClr val="accent1"/>
+          </a:lnRef>
+          <a:fillRef idx="3">
+            <a:schemeClr val="accent1"/>
+          </a:fillRef>
+          <a:effectRef idx="2">
+            <a:schemeClr val="accent1"/>
+          </a:effectRef>
+          <a:fontRef idx="minor">
+            <a:schemeClr val="lt1"/>
+          </a:fontRef>
+        </p:style>
+        <p:txBody>
+          <a:bodyPr rtlCol="0" anchor="ctr"/>
+          <a:lstStyle/>
+          <a:p>
+            <a:pPr algn="ctr"/>
+            <a:r>
+              <a:rPr lang="en-US" dirty="0" err="1" smtClean="0">
+                <a:solidFill>
+                  <a:srgbClr val="000000"/>
+                </a:solidFill>
+              </a:rPr>
+              <a:t>WebSocket</a:t>
+            </a:r>
+            <a:r>
+              <a:rPr lang="en-US" dirty="0" smtClean="0">
+                <a:solidFill>
+                  <a:srgbClr val="000000"/>
+                </a:solidFill>
+              </a:rPr>
+              <a:t> Controller</a:t>
+            </a:r>
+          </a:p>
+          <a:p>
+            <a:pPr algn="ctr"/>
+            <a:endParaRPr lang="en-US" dirty="0">
+              <a:solidFill>
+                <a:srgbClr val="000000"/>
+              </a:solidFill>
+            </a:endParaRPr>
+          </a:p>
+          <a:p>
+            <a:pPr algn="ctr"/>
+            <a:r>
+              <a:rPr lang="en-US" dirty="0" err="1" smtClean="0">
+                <a:solidFill>
+                  <a:srgbClr val="000000"/>
+                </a:solidFill>
+              </a:rPr>
+              <a:t>onMessage</a:t>
+            </a:r>
+            <a:endParaRPr lang="en-US" dirty="0" smtClean="0">
+              <a:solidFill>
+                <a:srgbClr val="000000"/>
+              </a:solidFill>
+            </a:endParaRPr>
+          </a:p>
+          <a:p>
+            <a:pPr algn="ctr"/>
+            <a:endParaRPr lang="en-US" dirty="0" smtClean="0">
+              <a:solidFill>
+                <a:srgbClr val="000000"/>
+              </a:solidFill>
+            </a:endParaRPr>
+          </a:p>
+          <a:p>
+            <a:pPr algn="ctr"/>
+            <a:r>
+              <a:rPr lang="en-US" dirty="0" smtClean="0">
+                <a:solidFill>
+                  <a:srgbClr val="000000"/>
+                </a:solidFill>
+              </a:rPr>
+              <a:t>Parse request</a:t>
+            </a:r>
+            <a:endParaRPr lang="en-US" dirty="0">
+              <a:solidFill>
+                <a:srgbClr val="000000"/>
+              </a:solidFill>
+            </a:endParaRPr>
+          </a:p>
+        </p:txBody>
+      </p:sp>
+      <p:sp>
+        <p:nvSpPr>
+          <p:cNvPr id="8" name="Rectangle 7"/>
+          <p:cNvSpPr/>
+          <p:nvPr/>
+        </p:nvSpPr>
+        <p:spPr>
+          <a:xfrm>
+            <a:off x="6108577" y="3818786"/>
+            <a:ext cx="2014097" cy="2363748"/>
+          </a:xfrm>
+          <a:prstGeom prst="rect">
+            <a:avLst/>
+          </a:prstGeom>
+          <a:solidFill>
+            <a:schemeClr val="bg1"/>
+          </a:solidFill>
+          <a:ln>
+            <a:solidFill>
+              <a:schemeClr val="tx1"/>
+            </a:solidFill>
+          </a:ln>
+          <a:effectLst/>
+        </p:spPr>
+        <p:style>
+          <a:lnRef idx="1">
+            <a:schemeClr val="accent1"/>
+          </a:lnRef>
+          <a:fillRef idx="3">
+            <a:schemeClr val="accent1"/>
+          </a:fillRef>
+          <a:effectRef idx="2">
+            <a:schemeClr val="accent1"/>
+          </a:effectRef>
+          <a:fontRef idx="minor">
+            <a:schemeClr val="lt1"/>
+          </a:fontRef>
+        </p:style>
+        <p:txBody>
+          <a:bodyPr rtlCol="0" anchor="ctr"/>
+          <a:lstStyle/>
+          <a:p>
+            <a:pPr algn="ctr"/>
+            <a:r>
+              <a:rPr lang="en-US" dirty="0" err="1" smtClean="0">
+                <a:solidFill>
+                  <a:srgbClr val="000000"/>
+                </a:solidFill>
+              </a:rPr>
+              <a:t>ChatApp</a:t>
+            </a:r>
+            <a:r>
+              <a:rPr lang="en-US" dirty="0" smtClean="0">
+                <a:solidFill>
+                  <a:srgbClr val="000000"/>
+                </a:solidFill>
+              </a:rPr>
+              <a:t> Controller</a:t>
+            </a:r>
+          </a:p>
+          <a:p>
+            <a:pPr algn="ctr"/>
+            <a:endParaRPr lang="en-US" dirty="0">
+              <a:solidFill>
+                <a:srgbClr val="000000"/>
+              </a:solidFill>
+            </a:endParaRPr>
+          </a:p>
+          <a:p>
+            <a:pPr algn="ctr"/>
+            <a:r>
+              <a:rPr lang="en-US" dirty="0" smtClean="0">
+                <a:solidFill>
+                  <a:srgbClr val="000000"/>
+                </a:solidFill>
+              </a:rPr>
+              <a:t>Call appropriate method (</a:t>
+            </a:r>
+            <a:r>
+              <a:rPr lang="en-US" dirty="0" err="1" smtClean="0">
+                <a:solidFill>
+                  <a:srgbClr val="000000"/>
+                </a:solidFill>
+              </a:rPr>
+              <a:t>notifyObservers</a:t>
+            </a:r>
+            <a:r>
+              <a:rPr lang="en-US" dirty="0" smtClean="0">
+                <a:solidFill>
+                  <a:srgbClr val="000000"/>
+                </a:solidFill>
+              </a:rPr>
+              <a:t>) and send response to session as JSON</a:t>
+            </a:r>
+            <a:endParaRPr lang="en-US" dirty="0">
+              <a:solidFill>
+                <a:srgbClr val="000000"/>
+              </a:solidFill>
+            </a:endParaRPr>
+          </a:p>
+        </p:txBody>
+      </p:sp>
+      <p:sp>
+        <p:nvSpPr>
+          <p:cNvPr id="9" name="Rectangle 8"/>
+          <p:cNvSpPr/>
+          <p:nvPr/>
+        </p:nvSpPr>
+        <p:spPr>
+          <a:xfrm>
+            <a:off x="3452286" y="4048118"/>
+            <a:ext cx="1507576" cy="1905083"/>
+          </a:xfrm>
+          <a:prstGeom prst="rect">
+            <a:avLst/>
+          </a:prstGeom>
+          <a:solidFill>
+            <a:schemeClr val="bg1"/>
+          </a:solidFill>
+          <a:ln>
+            <a:solidFill>
+              <a:schemeClr val="tx1"/>
+            </a:solidFill>
+          </a:ln>
+          <a:effectLst/>
+        </p:spPr>
+        <p:style>
+          <a:lnRef idx="1">
+            <a:schemeClr val="accent1"/>
+          </a:lnRef>
+          <a:fillRef idx="3">
+            <a:schemeClr val="accent1"/>
+          </a:fillRef>
+          <a:effectRef idx="2">
+            <a:schemeClr val="accent1"/>
+          </a:effectRef>
+          <a:fontRef idx="minor">
+            <a:schemeClr val="lt1"/>
+          </a:fontRef>
+        </p:style>
+        <p:txBody>
+          <a:bodyPr rtlCol="0" anchor="ctr"/>
+          <a:lstStyle/>
+          <a:p>
+            <a:pPr algn="ctr"/>
+            <a:r>
+              <a:rPr lang="en-US" dirty="0" smtClean="0">
+                <a:solidFill>
+                  <a:srgbClr val="000000"/>
+                </a:solidFill>
+              </a:rPr>
+              <a:t>View</a:t>
+            </a:r>
+          </a:p>
+          <a:p>
+            <a:pPr algn="ctr"/>
+            <a:endParaRPr lang="en-US" dirty="0">
+              <a:solidFill>
+                <a:srgbClr val="000000"/>
+              </a:solidFill>
+            </a:endParaRPr>
+          </a:p>
+          <a:p>
+            <a:pPr algn="ctr"/>
+            <a:r>
+              <a:rPr lang="en-US" dirty="0" err="1" smtClean="0">
+                <a:solidFill>
+                  <a:srgbClr val="000000"/>
+                </a:solidFill>
+              </a:rPr>
+              <a:t>onMessage</a:t>
+            </a:r>
+            <a:endParaRPr lang="en-US" dirty="0" smtClean="0">
+              <a:solidFill>
+                <a:srgbClr val="000000"/>
+              </a:solidFill>
+            </a:endParaRPr>
+          </a:p>
+          <a:p>
+            <a:pPr algn="ctr"/>
+            <a:endParaRPr lang="en-US" dirty="0">
+              <a:solidFill>
+                <a:srgbClr val="000000"/>
+              </a:solidFill>
+            </a:endParaRPr>
+          </a:p>
+          <a:p>
+            <a:pPr algn="ctr"/>
+            <a:r>
+              <a:rPr lang="en-US" dirty="0" smtClean="0">
+                <a:solidFill>
+                  <a:srgbClr val="000000"/>
+                </a:solidFill>
+              </a:rPr>
+              <a:t>Update chat app view</a:t>
+            </a:r>
+            <a:endParaRPr lang="en-US" dirty="0">
+              <a:solidFill>
+                <a:srgbClr val="000000"/>
+              </a:solidFill>
+            </a:endParaRPr>
+          </a:p>
+        </p:txBody>
+      </p:sp>
+      <p:cxnSp>
+        <p:nvCxnSpPr>
+          <p:cNvPr id="11" name="Straight Arrow Connector 10"/>
+          <p:cNvCxnSpPr>
+            <a:stCxn id="6" idx="3"/>
+            <a:endCxn id="5" idx="1"/>
+          </p:cNvCxnSpPr>
+          <p:nvPr/>
+        </p:nvCxnSpPr>
+        <p:spPr>
+          <a:xfrm>
+            <a:off x="2668272" y="2546102"/>
+            <a:ext cx="784014" cy="0"/>
+          </a:xfrm>
+          <a:prstGeom prst="straightConnector1">
+            <a:avLst/>
+          </a:prstGeom>
+          <a:ln>
+            <a:tailEnd type="arrow"/>
+          </a:ln>
+        </p:spPr>
+        <p:style>
+          <a:lnRef idx="2">
+            <a:schemeClr val="accent1"/>
+          </a:lnRef>
+          <a:fillRef idx="0">
+            <a:schemeClr val="accent1"/>
+          </a:fillRef>
+          <a:effectRef idx="1">
+            <a:schemeClr val="accent1"/>
+          </a:effectRef>
+          <a:fontRef idx="minor">
+            <a:schemeClr val="tx1"/>
+          </a:fontRef>
+        </p:style>
+      </p:cxnSp>
+      <p:cxnSp>
+        <p:nvCxnSpPr>
+          <p:cNvPr id="12" name="Straight Arrow Connector 11"/>
+          <p:cNvCxnSpPr>
+            <a:stCxn id="5" idx="3"/>
+            <a:endCxn id="7" idx="1"/>
+          </p:cNvCxnSpPr>
+          <p:nvPr/>
+        </p:nvCxnSpPr>
+        <p:spPr>
+          <a:xfrm>
+            <a:off x="4959862" y="2546102"/>
+            <a:ext cx="1148716" cy="0"/>
+          </a:xfrm>
+          <a:prstGeom prst="straightConnector1">
+            <a:avLst/>
+          </a:prstGeom>
+          <a:ln>
+            <a:tailEnd type="arrow"/>
+          </a:ln>
+        </p:spPr>
+        <p:style>
+          <a:lnRef idx="2">
+            <a:schemeClr val="accent1"/>
+          </a:lnRef>
+          <a:fillRef idx="0">
+            <a:schemeClr val="accent1"/>
+          </a:fillRef>
+          <a:effectRef idx="1">
+            <a:schemeClr val="accent1"/>
+          </a:effectRef>
+          <a:fontRef idx="minor">
+            <a:schemeClr val="tx1"/>
+          </a:fontRef>
+        </p:style>
+      </p:cxnSp>
+      <p:cxnSp>
+        <p:nvCxnSpPr>
+          <p:cNvPr id="15" name="Straight Arrow Connector 14"/>
+          <p:cNvCxnSpPr>
+            <a:stCxn id="7" idx="2"/>
+            <a:endCxn id="8" idx="0"/>
+          </p:cNvCxnSpPr>
+          <p:nvPr/>
+        </p:nvCxnSpPr>
+        <p:spPr>
+          <a:xfrm>
+            <a:off x="7115626" y="3498643"/>
+            <a:ext cx="0" cy="320143"/>
+          </a:xfrm>
+          <a:prstGeom prst="straightConnector1">
+            <a:avLst/>
+          </a:prstGeom>
+          <a:ln>
+            <a:tailEnd type="arrow"/>
+          </a:ln>
+        </p:spPr>
+        <p:style>
+          <a:lnRef idx="2">
+            <a:schemeClr val="accent1"/>
+          </a:lnRef>
+          <a:fillRef idx="0">
+            <a:schemeClr val="accent1"/>
+          </a:fillRef>
+          <a:effectRef idx="1">
+            <a:schemeClr val="accent1"/>
+          </a:effectRef>
+          <a:fontRef idx="minor">
+            <a:schemeClr val="tx1"/>
+          </a:fontRef>
+        </p:style>
+      </p:cxnSp>
+      <p:cxnSp>
+        <p:nvCxnSpPr>
+          <p:cNvPr id="18" name="Straight Arrow Connector 17"/>
+          <p:cNvCxnSpPr>
+            <a:stCxn id="8" idx="1"/>
+            <a:endCxn id="9" idx="3"/>
+          </p:cNvCxnSpPr>
+          <p:nvPr/>
+        </p:nvCxnSpPr>
+        <p:spPr>
+          <a:xfrm flipH="1">
+            <a:off x="4959862" y="5000660"/>
+            <a:ext cx="1148715" cy="0"/>
+          </a:xfrm>
+          <a:prstGeom prst="straightConnector1">
+            <a:avLst/>
+          </a:prstGeom>
+          <a:ln>
+            <a:tailEnd type="arrow"/>
+          </a:ln>
+        </p:spPr>
+        <p:style>
+          <a:lnRef idx="2">
+            <a:schemeClr val="accent1"/>
+          </a:lnRef>
+          <a:fillRef idx="0">
+            <a:schemeClr val="accent1"/>
+          </a:fillRef>
+          <a:effectRef idx="1">
+            <a:schemeClr val="accent1"/>
+          </a:effectRef>
+          <a:fontRef idx="minor">
+            <a:schemeClr val="tx1"/>
+          </a:fontRef>
+        </p:style>
+      </p:cxnSp>
     </p:spTree>
     <p:extLst>
       <p:ext uri="{BB962C8B-B14F-4D97-AF65-F5344CB8AC3E}">
-        <p14:creationId xmlns:p14="http://schemas.microsoft.com/office/powerpoint/2010/main" val="3550442283"/>
+        <p14:creationId xmlns:p14="http://schemas.microsoft.com/office/powerpoint/2010/main" val="3544068531"/>
       </p:ext>
     </p:extLst>
   </p:cSld>
@@ -4447,60 +5521,46 @@
           <a:p>
             <a:r>
               <a:rPr lang="en-US" dirty="0" smtClean="0"/>
-              <a:t>Chat Room Design</a:t>
+              <a:t>Commands</a:t>
             </a:r>
             <a:endParaRPr lang="en-US" dirty="0"/>
           </a:p>
         </p:txBody>
       </p:sp>
-      <p:sp>
-        <p:nvSpPr>
-          <p:cNvPr id="4" name="Rectangle 3"/>
-          <p:cNvSpPr/>
+      <p:pic>
+        <p:nvPicPr>
+          <p:cNvPr id="4" name="Picture 3"/>
+          <p:cNvPicPr>
+            <a:picLocks noChangeAspect="1"/>
+          </p:cNvPicPr>
           <p:nvPr/>
-        </p:nvSpPr>
+        </p:nvPicPr>
+        <p:blipFill>
+          <a:blip r:embed="rId3"/>
+          <a:stretch>
+            <a:fillRect/>
+          </a:stretch>
+        </p:blipFill>
         <p:spPr>
           <a:xfrm>
-            <a:off x="814664" y="1605542"/>
-            <a:ext cx="7619500" cy="4505102"/>
+            <a:off x="3015191" y="1976973"/>
+            <a:ext cx="3141738" cy="825103"/>
           </a:xfrm>
           <a:prstGeom prst="rect">
             <a:avLst/>
           </a:prstGeom>
         </p:spPr>
-        <p:style>
-          <a:lnRef idx="1">
-            <a:schemeClr val="accent1"/>
-          </a:lnRef>
-          <a:fillRef idx="3">
-            <a:schemeClr val="accent1"/>
-          </a:fillRef>
-          <a:effectRef idx="2">
-            <a:schemeClr val="accent1"/>
-          </a:effectRef>
-          <a:fontRef idx="minor">
-            <a:schemeClr val="lt1"/>
-          </a:fontRef>
-        </p:style>
-        <p:txBody>
-          <a:bodyPr rtlCol="0" anchor="ctr"/>
-          <a:lstStyle/>
-          <a:p>
-            <a:pPr algn="ctr"/>
-            <a:endParaRPr lang="en-US"/>
-          </a:p>
-        </p:txBody>
-      </p:sp>
-      <p:sp>
-        <p:nvSpPr>
-          <p:cNvPr id="5" name="Rectangle 4"/>
+      </p:pic>
+      <p:sp>
+        <p:nvSpPr>
+          <p:cNvPr id="6" name="Rectangle 5"/>
           <p:cNvSpPr/>
           <p:nvPr/>
         </p:nvSpPr>
         <p:spPr>
           <a:xfrm>
-            <a:off x="1186054" y="2000936"/>
-            <a:ext cx="2767461" cy="3199102"/>
+            <a:off x="1260070" y="3606479"/>
+            <a:ext cx="3510242" cy="1857156"/>
           </a:xfrm>
           <a:prstGeom prst="rect">
             <a:avLst/>
@@ -4508,6 +5568,12 @@
           <a:solidFill>
             <a:schemeClr val="bg1"/>
           </a:solidFill>
+          <a:ln>
+            <a:solidFill>
+              <a:schemeClr val="tx1"/>
+            </a:solidFill>
+          </a:ln>
+          <a:effectLst/>
         </p:spPr>
         <p:style>
           <a:lnRef idx="1">
@@ -4529,31 +5595,91 @@
           <a:p>
             <a:pPr algn="ctr"/>
             <a:r>
+              <a:rPr lang="en-US" dirty="0" err="1" smtClean="0">
+                <a:solidFill>
+                  <a:srgbClr val="000000"/>
+                </a:solidFill>
+              </a:rPr>
+              <a:t>ChatAppController</a:t>
+            </a:r>
+            <a:r>
               <a:rPr lang="en-US" dirty="0" smtClean="0">
                 <a:solidFill>
-                  <a:schemeClr val="tx1"/>
+                  <a:srgbClr val="000000"/>
                 </a:solidFill>
               </a:rPr>
-              <a:t>Select menu containing users in chat room</a:t>
-            </a:r>
+              <a:t> -&gt; </a:t>
+            </a:r>
+            <a:r>
+              <a:rPr lang="en-US" dirty="0" err="1" smtClean="0">
+                <a:solidFill>
+                  <a:srgbClr val="000000"/>
+                </a:solidFill>
+              </a:rPr>
+              <a:t>ChatRooms</a:t>
+            </a:r>
+            <a:endParaRPr lang="en-US" dirty="0" smtClean="0">
+              <a:solidFill>
+                <a:srgbClr val="000000"/>
+              </a:solidFill>
+            </a:endParaRPr>
+          </a:p>
+          <a:p>
+            <a:pPr algn="ctr"/>
             <a:endParaRPr lang="en-US" dirty="0">
               <a:solidFill>
-                <a:schemeClr val="tx1"/>
+                <a:srgbClr val="000000"/>
               </a:solidFill>
             </a:endParaRPr>
           </a:p>
-        </p:txBody>
-      </p:sp>
-      <p:sp>
-        <p:nvSpPr>
-          <p:cNvPr id="6" name="Rectangle 5"/>
+          <a:p>
+            <a:pPr marL="285750" indent="-285750" algn="ctr">
+              <a:buFont typeface="Arial"/>
+              <a:buChar char="•"/>
+            </a:pPr>
+            <a:r>
+              <a:rPr lang="en-US" dirty="0" smtClean="0">
+                <a:solidFill>
+                  <a:srgbClr val="000000"/>
+                </a:solidFill>
+              </a:rPr>
+              <a:t>Send message to chat room</a:t>
+            </a:r>
+          </a:p>
+          <a:p>
+            <a:pPr marL="285750" indent="-285750" algn="ctr">
+              <a:buFont typeface="Arial"/>
+              <a:buChar char="•"/>
+            </a:pPr>
+            <a:r>
+              <a:rPr lang="en-US" dirty="0" smtClean="0">
+                <a:solidFill>
+                  <a:srgbClr val="000000"/>
+                </a:solidFill>
+              </a:rPr>
+              <a:t>Join/leave room</a:t>
+            </a:r>
+          </a:p>
+          <a:p>
+            <a:pPr algn="ctr"/>
+            <a:endParaRPr lang="en-US" dirty="0" smtClean="0">
+              <a:solidFill>
+                <a:srgbClr val="000000"/>
+              </a:solidFill>
+            </a:endParaRPr>
+          </a:p>
+        </p:txBody>
+      </p:sp>
+      <p:sp>
+        <p:nvSpPr>
+          <p:cNvPr id="7" name="Rectangle 6"/>
           <p:cNvSpPr/>
           <p:nvPr/>
         </p:nvSpPr>
         <p:spPr>
           <a:xfrm>
-            <a:off x="4285620" y="2000936"/>
-            <a:ext cx="3813095" cy="3743534"/>
+            <a:off x="5361209" y="3606480"/>
+            <a:ext cx="2162449" cy="1857155"/>
           </a:xfrm>
           <a:prstGeom prst="rect">
             <a:avLst/>
@@ -4561,6 +5687,12 @@
           <a:solidFill>
             <a:schemeClr val="bg1"/>
           </a:solidFill>
+          <a:ln>
+            <a:solidFill>
+              <a:schemeClr val="tx1"/>
+            </a:solidFill>
+          </a:ln>
+          <a:effectLst/>
         </p:spPr>
         <p:style>
           <a:lnRef idx="1">
@@ -4582,131 +5714,122 @@
           <a:p>
             <a:pPr algn="ctr"/>
             <a:r>
+              <a:rPr lang="en-US" dirty="0" err="1" smtClean="0">
+                <a:solidFill>
+                  <a:srgbClr val="000000"/>
+                </a:solidFill>
+              </a:rPr>
+              <a:t>ChatRoom</a:t>
+            </a:r>
+            <a:r>
               <a:rPr lang="en-US" dirty="0" smtClean="0">
                 <a:solidFill>
                   <a:srgbClr val="000000"/>
                 </a:solidFill>
               </a:rPr>
-              <a:t>Message history for this user contains all messages involving user (sent/received)</a:t>
-            </a:r>
+              <a:t> -&gt; Users</a:t>
+            </a:r>
+          </a:p>
+          <a:p>
+            <a:pPr algn="ctr"/>
             <a:endParaRPr lang="en-US" dirty="0">
               <a:solidFill>
                 <a:srgbClr val="000000"/>
               </a:solidFill>
             </a:endParaRPr>
           </a:p>
-        </p:txBody>
-      </p:sp>
-      <p:sp>
-        <p:nvSpPr>
-          <p:cNvPr id="7" name="Rectangle 6"/>
-          <p:cNvSpPr/>
-          <p:nvPr/>
-        </p:nvSpPr>
-        <p:spPr>
-          <a:xfrm>
-            <a:off x="1186055" y="5352437"/>
-            <a:ext cx="1832992" cy="392033"/>
-          </a:xfrm>
-          <a:prstGeom prst="rect">
-            <a:avLst/>
-          </a:prstGeom>
-          <a:solidFill>
-            <a:schemeClr val="bg1"/>
-          </a:solidFill>
-        </p:spPr>
-        <p:style>
-          <a:lnRef idx="1">
-            <a:schemeClr val="accent1"/>
-          </a:lnRef>
-          <a:fillRef idx="3">
-            <a:schemeClr val="accent1"/>
-          </a:fillRef>
-          <a:effectRef idx="2">
-            <a:schemeClr val="accent1"/>
-          </a:effectRef>
-          <a:fontRef idx="minor">
-            <a:schemeClr val="lt1"/>
-          </a:fontRef>
-        </p:style>
-        <p:txBody>
-          <a:bodyPr rtlCol="0" anchor="ctr"/>
-          <a:lstStyle/>
-          <a:p>
-            <a:pPr algn="ctr"/>
+          <a:p>
+            <a:pPr marL="285750" indent="-285750" algn="ctr">
+              <a:buFont typeface="Arial"/>
+              <a:buChar char="•"/>
+            </a:pPr>
             <a:r>
               <a:rPr lang="en-US" dirty="0" smtClean="0">
                 <a:solidFill>
                   <a:srgbClr val="000000"/>
                 </a:solidFill>
               </a:rPr>
-              <a:t>Message</a:t>
-            </a:r>
-            <a:endParaRPr lang="en-US" dirty="0">
-              <a:solidFill>
-                <a:srgbClr val="000000"/>
-              </a:solidFill>
-            </a:endParaRPr>
-          </a:p>
-        </p:txBody>
-      </p:sp>
-      <p:sp>
-        <p:nvSpPr>
-          <p:cNvPr id="8" name="Rectangle 7"/>
-          <p:cNvSpPr/>
+              <a:t>Send message to users</a:t>
+            </a:r>
+          </a:p>
+        </p:txBody>
+      </p:sp>
+      <p:cxnSp>
+        <p:nvCxnSpPr>
+          <p:cNvPr id="9" name="Straight Arrow Connector 8"/>
+          <p:cNvCxnSpPr>
+            <a:stCxn id="4" idx="2"/>
+            <a:endCxn id="6" idx="0"/>
+          </p:cNvCxnSpPr>
           <p:nvPr/>
-        </p:nvSpPr>
+        </p:nvCxnSpPr>
+        <p:spPr>
+          <a:xfrm flipH="1">
+            <a:off x="3015191" y="2802076"/>
+            <a:ext cx="1570869" cy="804403"/>
+          </a:xfrm>
+          <a:prstGeom prst="straightConnector1">
+            <a:avLst/>
+          </a:prstGeom>
+          <a:ln>
+            <a:tailEnd type="arrow"/>
+          </a:ln>
+        </p:spPr>
+        <p:style>
+          <a:lnRef idx="2">
+            <a:schemeClr val="accent1"/>
+          </a:lnRef>
+          <a:fillRef idx="0">
+            <a:schemeClr val="accent1"/>
+          </a:fillRef>
+          <a:effectRef idx="1">
+            <a:schemeClr val="accent1"/>
+          </a:effectRef>
+          <a:fontRef idx="minor">
+            <a:schemeClr val="tx1"/>
+          </a:fontRef>
+        </p:style>
+      </p:cxnSp>
+      <p:cxnSp>
+        <p:nvCxnSpPr>
+          <p:cNvPr id="10" name="Straight Arrow Connector 9"/>
+          <p:cNvCxnSpPr>
+            <a:stCxn id="4" idx="2"/>
+            <a:endCxn id="7" idx="0"/>
+          </p:cNvCxnSpPr>
+          <p:nvPr/>
+        </p:nvCxnSpPr>
         <p:spPr>
           <a:xfrm>
-            <a:off x="3171447" y="5352437"/>
-            <a:ext cx="782068" cy="392033"/>
+            <a:off x="4586060" y="2802076"/>
+            <a:ext cx="1856374" cy="804404"/>
           </a:xfrm>
-          <a:prstGeom prst="rect">
+          <a:prstGeom prst="straightConnector1">
             <a:avLst/>
           </a:prstGeom>
-          <a:solidFill>
-            <a:schemeClr val="bg1"/>
-          </a:solidFill>
+          <a:ln>
+            <a:tailEnd type="arrow"/>
+          </a:ln>
         </p:spPr>
         <p:style>
-          <a:lnRef idx="1">
+          <a:lnRef idx="2">
             <a:schemeClr val="accent1"/>
           </a:lnRef>
-          <a:fillRef idx="3">
+          <a:fillRef idx="0">
             <a:schemeClr val="accent1"/>
           </a:fillRef>
-          <a:effectRef idx="2">
+          <a:effectRef idx="1">
             <a:schemeClr val="accent1"/>
           </a:effectRef>
           <a:fontRef idx="minor">
-            <a:schemeClr val="lt1"/>
+            <a:schemeClr val="tx1"/>
           </a:fontRef>
         </p:style>
-        <p:txBody>
-          <a:bodyPr rtlCol="0" anchor="ctr"/>
-          <a:lstStyle/>
-          <a:p>
-            <a:pPr algn="ctr"/>
-            <a:r>
-              <a:rPr lang="en-US" dirty="0" smtClean="0">
-                <a:solidFill>
-                  <a:srgbClr val="000000"/>
-                </a:solidFill>
-              </a:rPr>
-              <a:t>Send</a:t>
-            </a:r>
-            <a:endParaRPr lang="en-US" dirty="0">
-              <a:solidFill>
-                <a:srgbClr val="000000"/>
-              </a:solidFill>
-            </a:endParaRPr>
-          </a:p>
-        </p:txBody>
-      </p:sp>
+      </p:cxnSp>
     </p:spTree>
     <p:extLst>
       <p:ext uri="{BB962C8B-B14F-4D97-AF65-F5344CB8AC3E}">
-        <p14:creationId xmlns:p14="http://schemas.microsoft.com/office/powerpoint/2010/main" val="2912402011"/>
+        <p14:creationId xmlns:p14="http://schemas.microsoft.com/office/powerpoint/2010/main" val="2694455055"/>
       </p:ext>
     </p:extLst>
   </p:cSld>
@@ -4750,7 +5873,7 @@
           <a:p>
             <a:r>
               <a:rPr lang="en-US" dirty="0" smtClean="0"/>
-              <a:t>Controllers</a:t>
+              <a:t>Chat Room Design</a:t>
             </a:r>
             <a:endParaRPr lang="en-US" dirty="0"/>
           </a:p>
@@ -4758,43 +5881,258 @@
       </p:sp>
       <p:sp>
         <p:nvSpPr>
-          <p:cNvPr id="3" name="Content Placeholder 2"/>
-          <p:cNvSpPr>
-            <a:spLocks noGrp="1"/>
-          </p:cNvSpPr>
-          <p:nvPr>
-            <p:ph idx="1"/>
-          </p:nvPr>
-        </p:nvSpPr>
-        <p:spPr/>
-        <p:txBody>
-          <a:bodyPr/>
-          <a:lstStyle/>
-          <a:p>
-            <a:r>
-              <a:rPr lang="en-US" dirty="0" smtClean="0"/>
-              <a:t>Supported requests by CAC and WSC</a:t>
-            </a:r>
-          </a:p>
-          <a:p>
-            <a:r>
-              <a:rPr lang="en-US" dirty="0" smtClean="0"/>
-              <a:t>CAC is an observable</a:t>
-            </a:r>
-          </a:p>
-          <a:p>
-            <a:r>
-              <a:rPr lang="en-US" b="1" dirty="0" smtClean="0"/>
-              <a:t>How we are storing user/session/chat room info</a:t>
-            </a:r>
-            <a:endParaRPr lang="en-US" b="1" dirty="0"/>
+          <p:cNvPr id="4" name="Rectangle 3"/>
+          <p:cNvSpPr/>
+          <p:nvPr/>
+        </p:nvSpPr>
+        <p:spPr>
+          <a:xfrm>
+            <a:off x="814664" y="1605542"/>
+            <a:ext cx="7619500" cy="4505102"/>
+          </a:xfrm>
+          <a:prstGeom prst="rect">
+            <a:avLst/>
+          </a:prstGeom>
+        </p:spPr>
+        <p:style>
+          <a:lnRef idx="1">
+            <a:schemeClr val="accent1"/>
+          </a:lnRef>
+          <a:fillRef idx="3">
+            <a:schemeClr val="accent1"/>
+          </a:fillRef>
+          <a:effectRef idx="2">
+            <a:schemeClr val="accent1"/>
+          </a:effectRef>
+          <a:fontRef idx="minor">
+            <a:schemeClr val="lt1"/>
+          </a:fontRef>
+        </p:style>
+        <p:txBody>
+          <a:bodyPr rtlCol="0" anchor="ctr"/>
+          <a:lstStyle/>
+          <a:p>
+            <a:pPr algn="ctr"/>
+            <a:endParaRPr lang="en-US"/>
+          </a:p>
+        </p:txBody>
+      </p:sp>
+      <p:sp>
+        <p:nvSpPr>
+          <p:cNvPr id="5" name="Rectangle 4"/>
+          <p:cNvSpPr/>
+          <p:nvPr/>
+        </p:nvSpPr>
+        <p:spPr>
+          <a:xfrm>
+            <a:off x="1186054" y="2000936"/>
+            <a:ext cx="2767461" cy="3199102"/>
+          </a:xfrm>
+          <a:prstGeom prst="rect">
+            <a:avLst/>
+          </a:prstGeom>
+          <a:solidFill>
+            <a:schemeClr val="bg1"/>
+          </a:solidFill>
+        </p:spPr>
+        <p:style>
+          <a:lnRef idx="1">
+            <a:schemeClr val="accent1"/>
+          </a:lnRef>
+          <a:fillRef idx="3">
+            <a:schemeClr val="accent1"/>
+          </a:fillRef>
+          <a:effectRef idx="2">
+            <a:schemeClr val="accent1"/>
+          </a:effectRef>
+          <a:fontRef idx="minor">
+            <a:schemeClr val="lt1"/>
+          </a:fontRef>
+        </p:style>
+        <p:txBody>
+          <a:bodyPr rtlCol="0" anchor="ctr"/>
+          <a:lstStyle/>
+          <a:p>
+            <a:pPr algn="ctr"/>
+            <a:r>
+              <a:rPr lang="en-US" dirty="0" smtClean="0">
+                <a:solidFill>
+                  <a:schemeClr val="tx1"/>
+                </a:solidFill>
+              </a:rPr>
+              <a:t>Select menu containing users in chat room</a:t>
+            </a:r>
+            <a:endParaRPr lang="en-US" dirty="0">
+              <a:solidFill>
+                <a:schemeClr val="tx1"/>
+              </a:solidFill>
+            </a:endParaRPr>
+          </a:p>
+        </p:txBody>
+      </p:sp>
+      <p:sp>
+        <p:nvSpPr>
+          <p:cNvPr id="6" name="Rectangle 5"/>
+          <p:cNvSpPr/>
+          <p:nvPr/>
+        </p:nvSpPr>
+        <p:spPr>
+          <a:xfrm>
+            <a:off x="4285620" y="2000936"/>
+            <a:ext cx="3813095" cy="3743534"/>
+          </a:xfrm>
+          <a:prstGeom prst="rect">
+            <a:avLst/>
+          </a:prstGeom>
+          <a:solidFill>
+            <a:schemeClr val="bg1"/>
+          </a:solidFill>
+        </p:spPr>
+        <p:style>
+          <a:lnRef idx="1">
+            <a:schemeClr val="accent1"/>
+          </a:lnRef>
+          <a:fillRef idx="3">
+            <a:schemeClr val="accent1"/>
+          </a:fillRef>
+          <a:effectRef idx="2">
+            <a:schemeClr val="accent1"/>
+          </a:effectRef>
+          <a:fontRef idx="minor">
+            <a:schemeClr val="lt1"/>
+          </a:fontRef>
+        </p:style>
+        <p:txBody>
+          <a:bodyPr rtlCol="0" anchor="ctr"/>
+          <a:lstStyle/>
+          <a:p>
+            <a:pPr algn="ctr"/>
+            <a:r>
+              <a:rPr lang="en-US" dirty="0" smtClean="0">
+                <a:solidFill>
+                  <a:srgbClr val="000000"/>
+                </a:solidFill>
+              </a:rPr>
+              <a:t>Message history for this user contains all messages involving user (sent/received)</a:t>
+            </a:r>
+            <a:endParaRPr lang="en-US" dirty="0">
+              <a:solidFill>
+                <a:srgbClr val="000000"/>
+              </a:solidFill>
+            </a:endParaRPr>
+          </a:p>
+        </p:txBody>
+      </p:sp>
+      <p:sp>
+        <p:nvSpPr>
+          <p:cNvPr id="7" name="Rectangle 6"/>
+          <p:cNvSpPr/>
+          <p:nvPr/>
+        </p:nvSpPr>
+        <p:spPr>
+          <a:xfrm>
+            <a:off x="1186055" y="5352437"/>
+            <a:ext cx="1832992" cy="392033"/>
+          </a:xfrm>
+          <a:prstGeom prst="rect">
+            <a:avLst/>
+          </a:prstGeom>
+          <a:solidFill>
+            <a:schemeClr val="bg1"/>
+          </a:solidFill>
+        </p:spPr>
+        <p:style>
+          <a:lnRef idx="1">
+            <a:schemeClr val="accent1"/>
+          </a:lnRef>
+          <a:fillRef idx="3">
+            <a:schemeClr val="accent1"/>
+          </a:fillRef>
+          <a:effectRef idx="2">
+            <a:schemeClr val="accent1"/>
+          </a:effectRef>
+          <a:fontRef idx="minor">
+            <a:schemeClr val="lt1"/>
+          </a:fontRef>
+        </p:style>
+        <p:txBody>
+          <a:bodyPr rtlCol="0" anchor="ctr"/>
+          <a:lstStyle/>
+          <a:p>
+            <a:pPr algn="ctr"/>
+            <a:r>
+              <a:rPr lang="en-US" dirty="0" smtClean="0">
+                <a:solidFill>
+                  <a:srgbClr val="000000"/>
+                </a:solidFill>
+              </a:rPr>
+              <a:t>Message</a:t>
+            </a:r>
+            <a:endParaRPr lang="en-US" dirty="0">
+              <a:solidFill>
+                <a:srgbClr val="000000"/>
+              </a:solidFill>
+            </a:endParaRPr>
+          </a:p>
+        </p:txBody>
+      </p:sp>
+      <p:sp>
+        <p:nvSpPr>
+          <p:cNvPr id="8" name="Rectangle 7"/>
+          <p:cNvSpPr/>
+          <p:nvPr/>
+        </p:nvSpPr>
+        <p:spPr>
+          <a:xfrm>
+            <a:off x="3171447" y="5352437"/>
+            <a:ext cx="782068" cy="392033"/>
+          </a:xfrm>
+          <a:prstGeom prst="rect">
+            <a:avLst/>
+          </a:prstGeom>
+          <a:solidFill>
+            <a:schemeClr val="bg1"/>
+          </a:solidFill>
+        </p:spPr>
+        <p:style>
+          <a:lnRef idx="1">
+            <a:schemeClr val="accent1"/>
+          </a:lnRef>
+          <a:fillRef idx="3">
+            <a:schemeClr val="accent1"/>
+          </a:fillRef>
+          <a:effectRef idx="2">
+            <a:schemeClr val="accent1"/>
+          </a:effectRef>
+          <a:fontRef idx="minor">
+            <a:schemeClr val="lt1"/>
+          </a:fontRef>
+        </p:style>
+        <p:txBody>
+          <a:bodyPr rtlCol="0" anchor="ctr"/>
+          <a:lstStyle/>
+          <a:p>
+            <a:pPr algn="ctr"/>
+            <a:r>
+              <a:rPr lang="en-US" dirty="0" smtClean="0">
+                <a:solidFill>
+                  <a:srgbClr val="000000"/>
+                </a:solidFill>
+              </a:rPr>
+              <a:t>Send</a:t>
+            </a:r>
+            <a:endParaRPr lang="en-US" dirty="0">
+              <a:solidFill>
+                <a:srgbClr val="000000"/>
+              </a:solidFill>
+            </a:endParaRPr>
           </a:p>
         </p:txBody>
       </p:sp>
     </p:spTree>
     <p:extLst>
       <p:ext uri="{BB962C8B-B14F-4D97-AF65-F5344CB8AC3E}">
-        <p14:creationId xmlns:p14="http://schemas.microsoft.com/office/powerpoint/2010/main" val="512292908"/>
+        <p14:creationId xmlns:p14="http://schemas.microsoft.com/office/powerpoint/2010/main" val="2912402011"/>
       </p:ext>
     </p:extLst>
   </p:cSld>
@@ -4838,112 +6176,6 @@
           <a:p>
             <a:r>
               <a:rPr lang="en-US" dirty="0" smtClean="0"/>
-              <a:t>Commands</a:t>
-            </a:r>
-            <a:endParaRPr lang="en-US" dirty="0"/>
-          </a:p>
-        </p:txBody>
-      </p:sp>
-      <p:sp>
-        <p:nvSpPr>
-          <p:cNvPr id="3" name="Content Placeholder 2"/>
-          <p:cNvSpPr>
-            <a:spLocks noGrp="1"/>
-          </p:cNvSpPr>
-          <p:nvPr>
-            <p:ph idx="1"/>
-          </p:nvPr>
-        </p:nvSpPr>
-        <p:spPr/>
-        <p:txBody>
-          <a:bodyPr/>
-          <a:lstStyle/>
-          <a:p>
-            <a:r>
-              <a:rPr lang="en-US" dirty="0" err="1" smtClean="0"/>
-              <a:t>ISendMsgCmd</a:t>
-            </a:r>
-            <a:r>
-              <a:rPr lang="en-US" dirty="0" smtClean="0"/>
-              <a:t> interface UML diagram</a:t>
-            </a:r>
-          </a:p>
-          <a:p>
-            <a:pPr lvl="1"/>
-            <a:r>
-              <a:rPr lang="en-US" dirty="0" smtClean="0"/>
-              <a:t>CAC -&gt; </a:t>
-            </a:r>
-            <a:r>
-              <a:rPr lang="en-US" dirty="0" err="1" smtClean="0"/>
-              <a:t>ChatRoom</a:t>
-            </a:r>
-            <a:r>
-              <a:rPr lang="en-US" dirty="0" smtClean="0"/>
-              <a:t> command</a:t>
-            </a:r>
-          </a:p>
-          <a:p>
-            <a:pPr lvl="1"/>
-            <a:r>
-              <a:rPr lang="en-US" dirty="0" err="1" smtClean="0"/>
-              <a:t>ChatRoom</a:t>
-            </a:r>
-            <a:r>
-              <a:rPr lang="en-US" dirty="0" smtClean="0"/>
-              <a:t> -&gt; User command</a:t>
-            </a:r>
-            <a:endParaRPr lang="en-US" dirty="0"/>
-          </a:p>
-        </p:txBody>
-      </p:sp>
-    </p:spTree>
-    <p:extLst>
-      <p:ext uri="{BB962C8B-B14F-4D97-AF65-F5344CB8AC3E}">
-        <p14:creationId xmlns:p14="http://schemas.microsoft.com/office/powerpoint/2010/main" val="2694455055"/>
-      </p:ext>
-    </p:extLst>
-  </p:cSld>
-  <p:clrMapOvr>
-    <a:masterClrMapping/>
-  </p:clrMapOvr>
-</p:sld>
-</file>
-
-<file path=ppt/slides/slide9.xml><?xml version="1.0" encoding="utf-8"?>
-<p:sld xmlns:a="http://schemas.openxmlformats.org/drawingml/2006/main" xmlns:r="http://schemas.openxmlformats.org/officeDocument/2006/relationships" xmlns:p="http://schemas.openxmlformats.org/presentationml/2006/main">
-  <p:cSld>
-    <p:spTree>
-      <p:nvGrpSpPr>
-        <p:cNvPr id="1" name=""/>
-        <p:cNvGrpSpPr/>
-        <p:nvPr/>
-      </p:nvGrpSpPr>
-      <p:grpSpPr>
-        <a:xfrm>
-          <a:off x="0" y="0"/>
-          <a:ext cx="0" cy="0"/>
-          <a:chOff x="0" y="0"/>
-          <a:chExt cx="0" cy="0"/>
-        </a:xfrm>
-      </p:grpSpPr>
-      <p:sp>
-        <p:nvSpPr>
-          <p:cNvPr id="2" name="Title 1"/>
-          <p:cNvSpPr>
-            <a:spLocks noGrp="1"/>
-          </p:cNvSpPr>
-          <p:nvPr>
-            <p:ph type="title"/>
-          </p:nvPr>
-        </p:nvSpPr>
-        <p:spPr/>
-        <p:txBody>
-          <a:bodyPr/>
-          <a:lstStyle/>
-          <a:p>
-            <a:r>
-              <a:rPr lang="en-US" dirty="0" smtClean="0"/>
               <a:t>Sending Messages</a:t>
             </a:r>
             <a:endParaRPr lang="en-US" dirty="0"/>
@@ -5050,7 +6282,31 @@
                   <a:srgbClr val="000000"/>
                 </a:solidFill>
               </a:rPr>
-              <a:t>Message is  a JSON string including recipient and chat room info</a:t>
+              <a:t>Message </a:t>
+            </a:r>
+            <a:r>
+              <a:rPr lang="en-US" dirty="0" smtClean="0">
+                <a:solidFill>
+                  <a:srgbClr val="000000"/>
+                </a:solidFill>
+              </a:rPr>
+              <a:t>is </a:t>
+            </a:r>
+            <a:r>
+              <a:rPr lang="en-US" dirty="0" smtClean="0">
+                <a:solidFill>
+                  <a:srgbClr val="000000"/>
+                </a:solidFill>
+              </a:rPr>
+              <a:t>a JSON string </a:t>
+            </a:r>
+            <a:r>
+              <a:rPr lang="en-US" dirty="0" smtClean="0">
+                <a:solidFill>
+                  <a:srgbClr val="000000"/>
+                </a:solidFill>
+              </a:rPr>
+              <a:t>containing request from view</a:t>
             </a:r>
             <a:endParaRPr lang="en-US" dirty="0">
               <a:solidFill>
@@ -5642,6 +6898,64 @@
     <p:extLst>
       <p:ext uri="{BB962C8B-B14F-4D97-AF65-F5344CB8AC3E}">
         <p14:creationId xmlns:p14="http://schemas.microsoft.com/office/powerpoint/2010/main" val="457808983"/>
+      </p:ext>
+    </p:extLst>
+  </p:cSld>
+  <p:clrMapOvr>
+    <a:masterClrMapping/>
+  </p:clrMapOvr>
+</p:sld>
+</file>
+
+<file path=ppt/slides/slide9.xml><?xml version="1.0" encoding="utf-8"?>
+<p:sld xmlns:a="http://schemas.openxmlformats.org/drawingml/2006/main" xmlns:r="http://schemas.openxmlformats.org/officeDocument/2006/relationships" xmlns:p="http://schemas.openxmlformats.org/presentationml/2006/main">
+  <p:cSld>
+    <p:spTree>
+      <p:nvGrpSpPr>
+        <p:cNvPr id="1" name=""/>
+        <p:cNvGrpSpPr/>
+        <p:nvPr/>
+      </p:nvGrpSpPr>
+      <p:grpSpPr>
+        <a:xfrm>
+          <a:off x="0" y="0"/>
+          <a:ext cx="0" cy="0"/>
+          <a:chOff x="0" y="0"/>
+          <a:chExt cx="0" cy="0"/>
+        </a:xfrm>
+      </p:grpSpPr>
+      <p:sp>
+        <p:nvSpPr>
+          <p:cNvPr id="2" name="Title 1"/>
+          <p:cNvSpPr>
+            <a:spLocks noGrp="1"/>
+          </p:cNvSpPr>
+          <p:nvPr>
+            <p:ph type="title"/>
+          </p:nvPr>
+        </p:nvSpPr>
+        <p:spPr>
+          <a:xfrm>
+            <a:off x="457200" y="2742859"/>
+            <a:ext cx="8229600" cy="1143000"/>
+          </a:xfrm>
+        </p:spPr>
+        <p:txBody>
+          <a:bodyPr/>
+          <a:lstStyle/>
+          <a:p>
+            <a:r>
+              <a:rPr lang="en-US" dirty="0" smtClean="0"/>
+              <a:t>Demo and Questions</a:t>
+            </a:r>
+            <a:endParaRPr lang="en-US" dirty="0"/>
+          </a:p>
+        </p:txBody>
+      </p:sp>
+    </p:spTree>
+    <p:extLst>
+      <p:ext uri="{BB962C8B-B14F-4D97-AF65-F5344CB8AC3E}">
+        <p14:creationId xmlns:p14="http://schemas.microsoft.com/office/powerpoint/2010/main" val="2063180681"/>
       </p:ext>
     </p:extLst>
   </p:cSld>

--- a/src/main/resources/chat_app_presentation.pptx
+++ b/src/main/resources/chat_app_presentation.pptx
@@ -5,7 +5,7 @@
     <p:sldMasterId id="2147483648" r:id="rId1"/>
   </p:sldMasterIdLst>
   <p:notesMasterIdLst>
-    <p:notesMasterId r:id="rId11"/>
+    <p:notesMasterId r:id="rId12"/>
   </p:notesMasterIdLst>
   <p:sldIdLst>
     <p:sldId id="256" r:id="rId2"/>
@@ -16,7 +16,8 @@
     <p:sldId id="259" r:id="rId7"/>
     <p:sldId id="262" r:id="rId8"/>
     <p:sldId id="260" r:id="rId9"/>
-    <p:sldId id="263" r:id="rId10"/>
+    <p:sldId id="267" r:id="rId10"/>
+    <p:sldId id="263" r:id="rId11"/>
   </p:sldIdLst>
   <p:sldSz cx="9144000" cy="6858000" type="screen4x3"/>
   <p:notesSz cx="6858000" cy="9144000"/>
@@ -552,6 +553,98 @@
 </p:notes>
 </file>
 
+<file path=ppt/notesSlides/notesSlide10.xml><?xml version="1.0" encoding="utf-8"?>
+<p:notes xmlns:a="http://schemas.openxmlformats.org/drawingml/2006/main" xmlns:r="http://schemas.openxmlformats.org/officeDocument/2006/relationships" xmlns:p="http://schemas.openxmlformats.org/presentationml/2006/main">
+  <p:cSld>
+    <p:spTree>
+      <p:nvGrpSpPr>
+        <p:cNvPr id="1" name=""/>
+        <p:cNvGrpSpPr/>
+        <p:nvPr/>
+      </p:nvGrpSpPr>
+      <p:grpSpPr>
+        <a:xfrm>
+          <a:off x="0" y="0"/>
+          <a:ext cx="0" cy="0"/>
+          <a:chOff x="0" y="0"/>
+          <a:chExt cx="0" cy="0"/>
+        </a:xfrm>
+      </p:grpSpPr>
+      <p:sp>
+        <p:nvSpPr>
+          <p:cNvPr id="2" name="Slide Image Placeholder 1"/>
+          <p:cNvSpPr>
+            <a:spLocks noGrp="1" noRot="1" noChangeAspect="1"/>
+          </p:cNvSpPr>
+          <p:nvPr>
+            <p:ph type="sldImg"/>
+          </p:nvPr>
+        </p:nvSpPr>
+        <p:spPr/>
+      </p:sp>
+      <p:sp>
+        <p:nvSpPr>
+          <p:cNvPr id="3" name="Notes Placeholder 2"/>
+          <p:cNvSpPr>
+            <a:spLocks noGrp="1"/>
+          </p:cNvSpPr>
+          <p:nvPr>
+            <p:ph type="body" idx="1"/>
+          </p:nvPr>
+        </p:nvSpPr>
+        <p:spPr/>
+        <p:txBody>
+          <a:bodyPr/>
+          <a:lstStyle/>
+          <a:p>
+            <a:r>
+              <a:rPr lang="en-US" dirty="0" smtClean="0"/>
+              <a:t>(Presenter 4) Walk through the different flows in the app. Lists start out empty</a:t>
+            </a:r>
+            <a:r>
+              <a:rPr lang="en-US" baseline="0" dirty="0" smtClean="0"/>
+              <a:t> on page load. Lists load when user logs in and chat room loads when user enters room. What happens when each button is pressed.</a:t>
+            </a:r>
+            <a:endParaRPr lang="en-US" dirty="0"/>
+          </a:p>
+        </p:txBody>
+      </p:sp>
+      <p:sp>
+        <p:nvSpPr>
+          <p:cNvPr id="4" name="Slide Number Placeholder 3"/>
+          <p:cNvSpPr>
+            <a:spLocks noGrp="1"/>
+          </p:cNvSpPr>
+          <p:nvPr>
+            <p:ph type="sldNum" sz="quarter" idx="10"/>
+          </p:nvPr>
+        </p:nvSpPr>
+        <p:spPr/>
+        <p:txBody>
+          <a:bodyPr/>
+          <a:lstStyle/>
+          <a:p>
+            <a:fld id="{43DC2DDD-CC09-FA44-B0E7-875FE11E7331}" type="slidenum">
+              <a:rPr lang="en-US" smtClean="0"/>
+              <a:t>10</a:t>
+            </a:fld>
+            <a:endParaRPr lang="en-US"/>
+          </a:p>
+        </p:txBody>
+      </p:sp>
+    </p:spTree>
+    <p:extLst>
+      <p:ext uri="{BB962C8B-B14F-4D97-AF65-F5344CB8AC3E}">
+        <p14:creationId xmlns:p14="http://schemas.microsoft.com/office/powerpoint/2010/main" val="3371960394"/>
+      </p:ext>
+    </p:extLst>
+  </p:cSld>
+  <p:clrMapOvr>
+    <a:masterClrMapping/>
+  </p:clrMapOvr>
+</p:notes>
+</file>
+
 <file path=ppt/notesSlides/notesSlide2.xml><?xml version="1.0" encoding="utf-8"?>
 <p:notes xmlns:a="http://schemas.openxmlformats.org/drawingml/2006/main" xmlns:r="http://schemas.openxmlformats.org/officeDocument/2006/relationships" xmlns:p="http://schemas.openxmlformats.org/presentationml/2006/main">
   <p:cSld>
@@ -602,11 +695,7 @@
             </a:r>
             <a:r>
               <a:rPr lang="en-US" baseline="0" dirty="0" smtClean="0"/>
-              <a:t> </a:t>
-            </a:r>
-            <a:r>
-              <a:rPr lang="en-US" baseline="0" dirty="0" smtClean="0"/>
-              <a:t>high level use cases </a:t>
+              <a:t> high level use cases </a:t>
             </a:r>
             <a:r>
               <a:rPr lang="mr-IN" baseline="0" dirty="0" smtClean="0"/>
@@ -1164,11 +1253,7 @@
             </a:r>
             <a:r>
               <a:rPr lang="en-US" baseline="0" dirty="0" smtClean="0"/>
-              <a:t> </a:t>
-            </a:r>
-            <a:r>
-              <a:rPr lang="en-US" baseline="0" dirty="0" smtClean="0"/>
-              <a:t>main assumption of message sending. The rest of design is based off this assumption, not like chat apps we use.</a:t>
+              <a:t> main assumption of message sending. The rest of design is based off this assumption, not like chat apps we use.</a:t>
             </a:r>
             <a:endParaRPr lang="en-US" dirty="0" smtClean="0"/>
           </a:p>
@@ -1273,11 +1358,7 @@
           <a:p>
             <a:r>
               <a:rPr lang="en-US" dirty="0" smtClean="0"/>
-              <a:t>(Presenter 3) Walk </a:t>
-            </a:r>
-            <a:r>
-              <a:rPr lang="en-US" dirty="0" smtClean="0"/>
-              <a:t>through flow</a:t>
+              <a:t>(Presenter 3) Walk through flow</a:t>
             </a:r>
             <a:r>
               <a:rPr lang="en-US" baseline="0" dirty="0" smtClean="0"/>
@@ -1368,12 +1449,16 @@
           <a:lstStyle/>
           <a:p>
             <a:r>
+              <a:rPr lang="en-US" smtClean="0"/>
+              <a:t>(Presenter 4) Summarize </a:t>
+            </a:r>
+            <a:r>
               <a:rPr lang="en-US" dirty="0" smtClean="0"/>
-              <a:t>(Presenter 4) Walk through the different flows in the app. Lists start out empty</a:t>
+              <a:t>the API aspects</a:t>
             </a:r>
             <a:r>
               <a:rPr lang="en-US" baseline="0" dirty="0" smtClean="0"/>
-              <a:t> on page load. Lists load when user logs in and chat room loads when user enters room. What happens when each button is pressed.</a:t>
+              <a:t> of design.</a:t>
             </a:r>
             <a:endParaRPr lang="en-US" dirty="0"/>
           </a:p>
@@ -1405,7 +1490,7 @@
     </p:spTree>
     <p:extLst>
       <p:ext uri="{BB962C8B-B14F-4D97-AF65-F5344CB8AC3E}">
-        <p14:creationId xmlns:p14="http://schemas.microsoft.com/office/powerpoint/2010/main" val="3371960394"/>
+        <p14:creationId xmlns:p14="http://schemas.microsoft.com/office/powerpoint/2010/main" val="1606687104"/>
       </p:ext>
     </p:extLst>
   </p:cSld>
@@ -4519,6 +4604,64 @@
 </p:sld>
 </file>
 
+<file path=ppt/slides/slide10.xml><?xml version="1.0" encoding="utf-8"?>
+<p:sld xmlns:a="http://schemas.openxmlformats.org/drawingml/2006/main" xmlns:r="http://schemas.openxmlformats.org/officeDocument/2006/relationships" xmlns:p="http://schemas.openxmlformats.org/presentationml/2006/main">
+  <p:cSld>
+    <p:spTree>
+      <p:nvGrpSpPr>
+        <p:cNvPr id="1" name=""/>
+        <p:cNvGrpSpPr/>
+        <p:nvPr/>
+      </p:nvGrpSpPr>
+      <p:grpSpPr>
+        <a:xfrm>
+          <a:off x="0" y="0"/>
+          <a:ext cx="0" cy="0"/>
+          <a:chOff x="0" y="0"/>
+          <a:chExt cx="0" cy="0"/>
+        </a:xfrm>
+      </p:grpSpPr>
+      <p:sp>
+        <p:nvSpPr>
+          <p:cNvPr id="2" name="Title 1"/>
+          <p:cNvSpPr>
+            <a:spLocks noGrp="1"/>
+          </p:cNvSpPr>
+          <p:nvPr>
+            <p:ph type="title"/>
+          </p:nvPr>
+        </p:nvSpPr>
+        <p:spPr>
+          <a:xfrm>
+            <a:off x="457200" y="2742859"/>
+            <a:ext cx="8229600" cy="1143000"/>
+          </a:xfrm>
+        </p:spPr>
+        <p:txBody>
+          <a:bodyPr/>
+          <a:lstStyle/>
+          <a:p>
+            <a:r>
+              <a:rPr lang="en-US" dirty="0" smtClean="0"/>
+              <a:t>Demo and Questions</a:t>
+            </a:r>
+            <a:endParaRPr lang="en-US" dirty="0"/>
+          </a:p>
+        </p:txBody>
+      </p:sp>
+    </p:spTree>
+    <p:extLst>
+      <p:ext uri="{BB962C8B-B14F-4D97-AF65-F5344CB8AC3E}">
+        <p14:creationId xmlns:p14="http://schemas.microsoft.com/office/powerpoint/2010/main" val="2063180681"/>
+      </p:ext>
+    </p:extLst>
+  </p:cSld>
+  <p:clrMapOvr>
+    <a:masterClrMapping/>
+  </p:clrMapOvr>
+</p:sld>
+</file>
+
 <file path=ppt/slides/slide2.xml><?xml version="1.0" encoding="utf-8"?>
 <p:sld xmlns:a="http://schemas.openxmlformats.org/drawingml/2006/main" xmlns:r="http://schemas.openxmlformats.org/officeDocument/2006/relationships" xmlns:p="http://schemas.openxmlformats.org/presentationml/2006/main">
   <p:cSld>
@@ -6282,31 +6425,7 @@
                   <a:srgbClr val="000000"/>
                 </a:solidFill>
               </a:rPr>
-              <a:t>Message </a:t>
-            </a:r>
-            <a:r>
-              <a:rPr lang="en-US" dirty="0" smtClean="0">
-                <a:solidFill>
-                  <a:srgbClr val="000000"/>
-                </a:solidFill>
-              </a:rPr>
-              <a:t>is </a:t>
-            </a:r>
-            <a:r>
-              <a:rPr lang="en-US" dirty="0" smtClean="0">
-                <a:solidFill>
-                  <a:srgbClr val="000000"/>
-                </a:solidFill>
-              </a:rPr>
-              <a:t>a JSON string </a:t>
-            </a:r>
-            <a:r>
-              <a:rPr lang="en-US" dirty="0" smtClean="0">
-                <a:solidFill>
-                  <a:srgbClr val="000000"/>
-                </a:solidFill>
-              </a:rPr>
-              <a:t>containing request from view</a:t>
+              <a:t>Message is a JSON string containing request from view</a:t>
             </a:r>
             <a:endParaRPr lang="en-US" dirty="0">
               <a:solidFill>
@@ -6934,19 +7053,94 @@
             <p:ph type="title"/>
           </p:nvPr>
         </p:nvSpPr>
-        <p:spPr>
-          <a:xfrm>
-            <a:off x="457200" y="2742859"/>
-            <a:ext cx="8229600" cy="1143000"/>
-          </a:xfrm>
-        </p:spPr>
+        <p:spPr/>
         <p:txBody>
           <a:bodyPr/>
           <a:lstStyle/>
           <a:p>
             <a:r>
               <a:rPr lang="en-US" dirty="0" smtClean="0"/>
-              <a:t>Demo and Questions</a:t>
+              <a:t>API Summary</a:t>
+            </a:r>
+            <a:endParaRPr lang="en-US" dirty="0"/>
+          </a:p>
+        </p:txBody>
+      </p:sp>
+      <p:sp>
+        <p:nvSpPr>
+          <p:cNvPr id="3" name="Content Placeholder 2"/>
+          <p:cNvSpPr>
+            <a:spLocks noGrp="1"/>
+          </p:cNvSpPr>
+          <p:nvPr>
+            <p:ph idx="1"/>
+          </p:nvPr>
+        </p:nvSpPr>
+        <p:spPr/>
+        <p:txBody>
+          <a:bodyPr/>
+          <a:lstStyle/>
+          <a:p>
+            <a:r>
+              <a:rPr lang="en-US" dirty="0" err="1" smtClean="0"/>
+              <a:t>WebSocketController</a:t>
+            </a:r>
+            <a:r>
+              <a:rPr lang="en-US" dirty="0" smtClean="0"/>
+              <a:t> receives all view requests</a:t>
+            </a:r>
+          </a:p>
+          <a:p>
+            <a:r>
+              <a:rPr lang="en-US" dirty="0" err="1" smtClean="0"/>
+              <a:t>ChatAppController</a:t>
+            </a:r>
+            <a:r>
+              <a:rPr lang="en-US" dirty="0" smtClean="0"/>
+              <a:t> -&gt; </a:t>
+            </a:r>
+            <a:r>
+              <a:rPr lang="en-US" dirty="0" err="1" smtClean="0"/>
+              <a:t>ChatRooms</a:t>
+            </a:r>
+            <a:r>
+              <a:rPr lang="en-US" dirty="0" smtClean="0"/>
+              <a:t> -&gt; Users</a:t>
+            </a:r>
+          </a:p>
+          <a:p>
+            <a:r>
+              <a:rPr lang="en-US" dirty="0" err="1" smtClean="0"/>
+              <a:t>ChatAppController</a:t>
+            </a:r>
+            <a:r>
+              <a:rPr lang="en-US" dirty="0" smtClean="0"/>
+              <a:t> is a singleton to access </a:t>
+            </a:r>
+            <a:r>
+              <a:rPr lang="en-US" dirty="0" err="1" smtClean="0"/>
+              <a:t>notifyObservers</a:t>
+            </a:r>
+            <a:endParaRPr lang="en-US" dirty="0" smtClean="0"/>
+          </a:p>
+          <a:p>
+            <a:r>
+              <a:rPr lang="en-US" dirty="0" smtClean="0"/>
+              <a:t>Communicate to observers using commands</a:t>
+            </a:r>
+          </a:p>
+          <a:p>
+            <a:r>
+              <a:rPr lang="en-US" dirty="0" smtClean="0"/>
+              <a:t>Send response to view using </a:t>
+            </a:r>
+            <a:r>
+              <a:rPr lang="en-US" dirty="0" err="1" smtClean="0"/>
+              <a:t>websocket</a:t>
+            </a:r>
+            <a:r>
+              <a:rPr lang="en-US" dirty="0" smtClean="0"/>
+              <a:t> session</a:t>
             </a:r>
             <a:endParaRPr lang="en-US" dirty="0"/>
           </a:p>
@@ -6955,7 +7149,7 @@
     </p:spTree>
     <p:extLst>
       <p:ext uri="{BB962C8B-B14F-4D97-AF65-F5344CB8AC3E}">
-        <p14:creationId xmlns:p14="http://schemas.microsoft.com/office/powerpoint/2010/main" val="2063180681"/>
+        <p14:creationId xmlns:p14="http://schemas.microsoft.com/office/powerpoint/2010/main" val="3466058467"/>
       </p:ext>
     </p:extLst>
   </p:cSld>
